--- a/singapore_presentation2.pptx
+++ b/singapore_presentation2.pptx
@@ -5,27 +5,31 @@
     <p:sldMasterId id="2147483648" r:id="rId1"/>
   </p:sldMasterIdLst>
   <p:sldIdLst>
-    <p:sldId id="256" r:id="rId2"/>
-    <p:sldId id="267" r:id="rId3"/>
-    <p:sldId id="258" r:id="rId4"/>
-    <p:sldId id="257" r:id="rId5"/>
-    <p:sldId id="259" r:id="rId6"/>
-    <p:sldId id="260" r:id="rId7"/>
-    <p:sldId id="261" r:id="rId8"/>
-    <p:sldId id="263" r:id="rId9"/>
-    <p:sldId id="265" r:id="rId10"/>
-    <p:sldId id="268" r:id="rId11"/>
-    <p:sldId id="266" r:id="rId12"/>
-    <p:sldId id="277" r:id="rId13"/>
-    <p:sldId id="269" r:id="rId14"/>
-    <p:sldId id="270" r:id="rId15"/>
-    <p:sldId id="271" r:id="rId16"/>
-    <p:sldId id="274" r:id="rId17"/>
-    <p:sldId id="272" r:id="rId18"/>
-    <p:sldId id="273" r:id="rId19"/>
-    <p:sldId id="275" r:id="rId20"/>
-    <p:sldId id="276" r:id="rId21"/>
-    <p:sldId id="278" r:id="rId22"/>
+    <p:sldId id="283" r:id="rId2"/>
+    <p:sldId id="256" r:id="rId3"/>
+    <p:sldId id="267" r:id="rId4"/>
+    <p:sldId id="258" r:id="rId5"/>
+    <p:sldId id="257" r:id="rId6"/>
+    <p:sldId id="259" r:id="rId7"/>
+    <p:sldId id="260" r:id="rId8"/>
+    <p:sldId id="261" r:id="rId9"/>
+    <p:sldId id="263" r:id="rId10"/>
+    <p:sldId id="279" r:id="rId11"/>
+    <p:sldId id="265" r:id="rId12"/>
+    <p:sldId id="268" r:id="rId13"/>
+    <p:sldId id="266" r:id="rId14"/>
+    <p:sldId id="277" r:id="rId15"/>
+    <p:sldId id="269" r:id="rId16"/>
+    <p:sldId id="270" r:id="rId17"/>
+    <p:sldId id="271" r:id="rId18"/>
+    <p:sldId id="274" r:id="rId19"/>
+    <p:sldId id="280" r:id="rId20"/>
+    <p:sldId id="272" r:id="rId21"/>
+    <p:sldId id="273" r:id="rId22"/>
+    <p:sldId id="275" r:id="rId23"/>
+    <p:sldId id="281" r:id="rId24"/>
+    <p:sldId id="276" r:id="rId25"/>
+    <p:sldId id="278" r:id="rId26"/>
   </p:sldIdLst>
   <p:sldSz cx="9144000" cy="6858000" type="screen4x3"/>
   <p:notesSz cx="6858000" cy="9144000"/>
@@ -181,7 +185,7 @@
           <a:lstStyle/>
           <a:p>
             <a:r>
-              <a:rPr lang="en-US" smtClean="0"/>
+              <a:rPr lang="en-US"/>
               <a:t>Click to edit Master title style</a:t>
             </a:r>
             <a:endParaRPr lang="en-IN"/>
@@ -300,7 +304,7 @@
           </a:lstStyle>
           <a:p>
             <a:r>
-              <a:rPr lang="en-US" smtClean="0"/>
+              <a:rPr lang="en-US"/>
               <a:t>Click to edit Master subtitle style</a:t>
             </a:r>
             <a:endParaRPr lang="en-IN"/>
@@ -325,7 +329,7 @@
             <a:fld id="{69579852-B829-4762-8F12-BF334723CB9F}" type="datetimeFigureOut">
               <a:rPr lang="en-US" smtClean="0"/>
               <a:pPr/>
-              <a:t>10/16/2018</a:t>
+              <a:t>10/20/2018</a:t>
             </a:fld>
             <a:endParaRPr lang="en-IN"/>
           </a:p>
@@ -415,7 +419,7 @@
           <a:lstStyle/>
           <a:p>
             <a:r>
-              <a:rPr lang="en-US" smtClean="0"/>
+              <a:rPr lang="en-US"/>
               <a:t>Click to edit Master title style</a:t>
             </a:r>
             <a:endParaRPr lang="en-IN"/>
@@ -439,35 +443,35 @@
           <a:p>
             <a:pPr lvl="0"/>
             <a:r>
-              <a:rPr lang="en-US" smtClean="0"/>
+              <a:rPr lang="en-US"/>
               <a:t>Click to edit Master text styles</a:t>
             </a:r>
           </a:p>
           <a:p>
             <a:pPr lvl="1"/>
             <a:r>
-              <a:rPr lang="en-US" smtClean="0"/>
+              <a:rPr lang="en-US"/>
               <a:t>Second level</a:t>
             </a:r>
           </a:p>
           <a:p>
             <a:pPr lvl="2"/>
             <a:r>
-              <a:rPr lang="en-US" smtClean="0"/>
+              <a:rPr lang="en-US"/>
               <a:t>Third level</a:t>
             </a:r>
           </a:p>
           <a:p>
             <a:pPr lvl="3"/>
             <a:r>
-              <a:rPr lang="en-US" smtClean="0"/>
+              <a:rPr lang="en-US"/>
               <a:t>Fourth level</a:t>
             </a:r>
           </a:p>
           <a:p>
             <a:pPr lvl="4"/>
             <a:r>
-              <a:rPr lang="en-US" smtClean="0"/>
+              <a:rPr lang="en-US"/>
               <a:t>Fifth level</a:t>
             </a:r>
             <a:endParaRPr lang="en-IN"/>
@@ -492,7 +496,7 @@
             <a:fld id="{69579852-B829-4762-8F12-BF334723CB9F}" type="datetimeFigureOut">
               <a:rPr lang="en-US" smtClean="0"/>
               <a:pPr/>
-              <a:t>10/16/2018</a:t>
+              <a:t>10/20/2018</a:t>
             </a:fld>
             <a:endParaRPr lang="en-IN"/>
           </a:p>
@@ -587,7 +591,7 @@
           <a:lstStyle/>
           <a:p>
             <a:r>
-              <a:rPr lang="en-US" smtClean="0"/>
+              <a:rPr lang="en-US"/>
               <a:t>Click to edit Master title style</a:t>
             </a:r>
             <a:endParaRPr lang="en-IN"/>
@@ -616,35 +620,35 @@
           <a:p>
             <a:pPr lvl="0"/>
             <a:r>
-              <a:rPr lang="en-US" smtClean="0"/>
+              <a:rPr lang="en-US"/>
               <a:t>Click to edit Master text styles</a:t>
             </a:r>
           </a:p>
           <a:p>
             <a:pPr lvl="1"/>
             <a:r>
-              <a:rPr lang="en-US" smtClean="0"/>
+              <a:rPr lang="en-US"/>
               <a:t>Second level</a:t>
             </a:r>
           </a:p>
           <a:p>
             <a:pPr lvl="2"/>
             <a:r>
-              <a:rPr lang="en-US" smtClean="0"/>
+              <a:rPr lang="en-US"/>
               <a:t>Third level</a:t>
             </a:r>
           </a:p>
           <a:p>
             <a:pPr lvl="3"/>
             <a:r>
-              <a:rPr lang="en-US" smtClean="0"/>
+              <a:rPr lang="en-US"/>
               <a:t>Fourth level</a:t>
             </a:r>
           </a:p>
           <a:p>
             <a:pPr lvl="4"/>
             <a:r>
-              <a:rPr lang="en-US" smtClean="0"/>
+              <a:rPr lang="en-US"/>
               <a:t>Fifth level</a:t>
             </a:r>
             <a:endParaRPr lang="en-IN"/>
@@ -669,7 +673,7 @@
             <a:fld id="{69579852-B829-4762-8F12-BF334723CB9F}" type="datetimeFigureOut">
               <a:rPr lang="en-US" smtClean="0"/>
               <a:pPr/>
-              <a:t>10/16/2018</a:t>
+              <a:t>10/20/2018</a:t>
             </a:fld>
             <a:endParaRPr lang="en-IN"/>
           </a:p>
@@ -759,7 +763,7 @@
           <a:lstStyle/>
           <a:p>
             <a:r>
-              <a:rPr lang="en-US" smtClean="0"/>
+              <a:rPr lang="en-US"/>
               <a:t>Click to edit Master title style</a:t>
             </a:r>
             <a:endParaRPr lang="en-IN"/>
@@ -783,35 +787,35 @@
           <a:p>
             <a:pPr lvl="0"/>
             <a:r>
-              <a:rPr lang="en-US" smtClean="0"/>
+              <a:rPr lang="en-US"/>
               <a:t>Click to edit Master text styles</a:t>
             </a:r>
           </a:p>
           <a:p>
             <a:pPr lvl="1"/>
             <a:r>
-              <a:rPr lang="en-US" smtClean="0"/>
+              <a:rPr lang="en-US"/>
               <a:t>Second level</a:t>
             </a:r>
           </a:p>
           <a:p>
             <a:pPr lvl="2"/>
             <a:r>
-              <a:rPr lang="en-US" smtClean="0"/>
+              <a:rPr lang="en-US"/>
               <a:t>Third level</a:t>
             </a:r>
           </a:p>
           <a:p>
             <a:pPr lvl="3"/>
             <a:r>
-              <a:rPr lang="en-US" smtClean="0"/>
+              <a:rPr lang="en-US"/>
               <a:t>Fourth level</a:t>
             </a:r>
           </a:p>
           <a:p>
             <a:pPr lvl="4"/>
             <a:r>
-              <a:rPr lang="en-US" smtClean="0"/>
+              <a:rPr lang="en-US"/>
               <a:t>Fifth level</a:t>
             </a:r>
             <a:endParaRPr lang="en-IN"/>
@@ -836,7 +840,7 @@
             <a:fld id="{69579852-B829-4762-8F12-BF334723CB9F}" type="datetimeFigureOut">
               <a:rPr lang="en-US" smtClean="0"/>
               <a:pPr/>
-              <a:t>10/16/2018</a:t>
+              <a:t>10/20/2018</a:t>
             </a:fld>
             <a:endParaRPr lang="en-IN"/>
           </a:p>
@@ -935,7 +939,7 @@
           </a:lstStyle>
           <a:p>
             <a:r>
-              <a:rPr lang="en-US" smtClean="0"/>
+              <a:rPr lang="en-US"/>
               <a:t>Click to edit Master title style</a:t>
             </a:r>
             <a:endParaRPr lang="en-IN"/>
@@ -1055,7 +1059,7 @@
           <a:p>
             <a:pPr lvl="0"/>
             <a:r>
-              <a:rPr lang="en-US" smtClean="0"/>
+              <a:rPr lang="en-US"/>
               <a:t>Click to edit Master text styles</a:t>
             </a:r>
           </a:p>
@@ -1079,7 +1083,7 @@
             <a:fld id="{69579852-B829-4762-8F12-BF334723CB9F}" type="datetimeFigureOut">
               <a:rPr lang="en-US" smtClean="0"/>
               <a:pPr/>
-              <a:t>10/16/2018</a:t>
+              <a:t>10/20/2018</a:t>
             </a:fld>
             <a:endParaRPr lang="en-IN"/>
           </a:p>
@@ -1169,7 +1173,7 @@
           <a:lstStyle/>
           <a:p>
             <a:r>
-              <a:rPr lang="en-US" smtClean="0"/>
+              <a:rPr lang="en-US"/>
               <a:t>Click to edit Master title style</a:t>
             </a:r>
             <a:endParaRPr lang="en-IN"/>
@@ -1226,35 +1230,35 @@
           <a:p>
             <a:pPr lvl="0"/>
             <a:r>
-              <a:rPr lang="en-US" smtClean="0"/>
+              <a:rPr lang="en-US"/>
               <a:t>Click to edit Master text styles</a:t>
             </a:r>
           </a:p>
           <a:p>
             <a:pPr lvl="1"/>
             <a:r>
-              <a:rPr lang="en-US" smtClean="0"/>
+              <a:rPr lang="en-US"/>
               <a:t>Second level</a:t>
             </a:r>
           </a:p>
           <a:p>
             <a:pPr lvl="2"/>
             <a:r>
-              <a:rPr lang="en-US" smtClean="0"/>
+              <a:rPr lang="en-US"/>
               <a:t>Third level</a:t>
             </a:r>
           </a:p>
           <a:p>
             <a:pPr lvl="3"/>
             <a:r>
-              <a:rPr lang="en-US" smtClean="0"/>
+              <a:rPr lang="en-US"/>
               <a:t>Fourth level</a:t>
             </a:r>
           </a:p>
           <a:p>
             <a:pPr lvl="4"/>
             <a:r>
-              <a:rPr lang="en-US" smtClean="0"/>
+              <a:rPr lang="en-US"/>
               <a:t>Fifth level</a:t>
             </a:r>
             <a:endParaRPr lang="en-IN"/>
@@ -1311,35 +1315,35 @@
           <a:p>
             <a:pPr lvl="0"/>
             <a:r>
-              <a:rPr lang="en-US" smtClean="0"/>
+              <a:rPr lang="en-US"/>
               <a:t>Click to edit Master text styles</a:t>
             </a:r>
           </a:p>
           <a:p>
             <a:pPr lvl="1"/>
             <a:r>
-              <a:rPr lang="en-US" smtClean="0"/>
+              <a:rPr lang="en-US"/>
               <a:t>Second level</a:t>
             </a:r>
           </a:p>
           <a:p>
             <a:pPr lvl="2"/>
             <a:r>
-              <a:rPr lang="en-US" smtClean="0"/>
+              <a:rPr lang="en-US"/>
               <a:t>Third level</a:t>
             </a:r>
           </a:p>
           <a:p>
             <a:pPr lvl="3"/>
             <a:r>
-              <a:rPr lang="en-US" smtClean="0"/>
+              <a:rPr lang="en-US"/>
               <a:t>Fourth level</a:t>
             </a:r>
           </a:p>
           <a:p>
             <a:pPr lvl="4"/>
             <a:r>
-              <a:rPr lang="en-US" smtClean="0"/>
+              <a:rPr lang="en-US"/>
               <a:t>Fifth level</a:t>
             </a:r>
             <a:endParaRPr lang="en-IN"/>
@@ -1364,7 +1368,7 @@
             <a:fld id="{69579852-B829-4762-8F12-BF334723CB9F}" type="datetimeFigureOut">
               <a:rPr lang="en-US" smtClean="0"/>
               <a:pPr/>
-              <a:t>10/16/2018</a:t>
+              <a:t>10/20/2018</a:t>
             </a:fld>
             <a:endParaRPr lang="en-IN"/>
           </a:p>
@@ -1458,7 +1462,7 @@
           </a:lstStyle>
           <a:p>
             <a:r>
-              <a:rPr lang="en-US" smtClean="0"/>
+              <a:rPr lang="en-US"/>
               <a:t>Click to edit Master title style</a:t>
             </a:r>
             <a:endParaRPr lang="en-IN"/>
@@ -1524,7 +1528,7 @@
           <a:p>
             <a:pPr lvl="0"/>
             <a:r>
-              <a:rPr lang="en-US" smtClean="0"/>
+              <a:rPr lang="en-US"/>
               <a:t>Click to edit Master text styles</a:t>
             </a:r>
           </a:p>
@@ -1580,35 +1584,35 @@
           <a:p>
             <a:pPr lvl="0"/>
             <a:r>
-              <a:rPr lang="en-US" smtClean="0"/>
+              <a:rPr lang="en-US"/>
               <a:t>Click to edit Master text styles</a:t>
             </a:r>
           </a:p>
           <a:p>
             <a:pPr lvl="1"/>
             <a:r>
-              <a:rPr lang="en-US" smtClean="0"/>
+              <a:rPr lang="en-US"/>
               <a:t>Second level</a:t>
             </a:r>
           </a:p>
           <a:p>
             <a:pPr lvl="2"/>
             <a:r>
-              <a:rPr lang="en-US" smtClean="0"/>
+              <a:rPr lang="en-US"/>
               <a:t>Third level</a:t>
             </a:r>
           </a:p>
           <a:p>
             <a:pPr lvl="3"/>
             <a:r>
-              <a:rPr lang="en-US" smtClean="0"/>
+              <a:rPr lang="en-US"/>
               <a:t>Fourth level</a:t>
             </a:r>
           </a:p>
           <a:p>
             <a:pPr lvl="4"/>
             <a:r>
-              <a:rPr lang="en-US" smtClean="0"/>
+              <a:rPr lang="en-US"/>
               <a:t>Fifth level</a:t>
             </a:r>
             <a:endParaRPr lang="en-IN"/>
@@ -1674,7 +1678,7 @@
           <a:p>
             <a:pPr lvl="0"/>
             <a:r>
-              <a:rPr lang="en-US" smtClean="0"/>
+              <a:rPr lang="en-US"/>
               <a:t>Click to edit Master text styles</a:t>
             </a:r>
           </a:p>
@@ -1730,35 +1734,35 @@
           <a:p>
             <a:pPr lvl="0"/>
             <a:r>
-              <a:rPr lang="en-US" smtClean="0"/>
+              <a:rPr lang="en-US"/>
               <a:t>Click to edit Master text styles</a:t>
             </a:r>
           </a:p>
           <a:p>
             <a:pPr lvl="1"/>
             <a:r>
-              <a:rPr lang="en-US" smtClean="0"/>
+              <a:rPr lang="en-US"/>
               <a:t>Second level</a:t>
             </a:r>
           </a:p>
           <a:p>
             <a:pPr lvl="2"/>
             <a:r>
-              <a:rPr lang="en-US" smtClean="0"/>
+              <a:rPr lang="en-US"/>
               <a:t>Third level</a:t>
             </a:r>
           </a:p>
           <a:p>
             <a:pPr lvl="3"/>
             <a:r>
-              <a:rPr lang="en-US" smtClean="0"/>
+              <a:rPr lang="en-US"/>
               <a:t>Fourth level</a:t>
             </a:r>
           </a:p>
           <a:p>
             <a:pPr lvl="4"/>
             <a:r>
-              <a:rPr lang="en-US" smtClean="0"/>
+              <a:rPr lang="en-US"/>
               <a:t>Fifth level</a:t>
             </a:r>
             <a:endParaRPr lang="en-IN"/>
@@ -1783,7 +1787,7 @@
             <a:fld id="{69579852-B829-4762-8F12-BF334723CB9F}" type="datetimeFigureOut">
               <a:rPr lang="en-US" smtClean="0"/>
               <a:pPr/>
-              <a:t>10/16/2018</a:t>
+              <a:t>10/20/2018</a:t>
             </a:fld>
             <a:endParaRPr lang="en-IN"/>
           </a:p>
@@ -1873,7 +1877,7 @@
           <a:lstStyle/>
           <a:p>
             <a:r>
-              <a:rPr lang="en-US" smtClean="0"/>
+              <a:rPr lang="en-US"/>
               <a:t>Click to edit Master title style</a:t>
             </a:r>
             <a:endParaRPr lang="en-IN"/>
@@ -1898,7 +1902,7 @@
             <a:fld id="{69579852-B829-4762-8F12-BF334723CB9F}" type="datetimeFigureOut">
               <a:rPr lang="en-US" smtClean="0"/>
               <a:pPr/>
-              <a:t>10/16/2018</a:t>
+              <a:t>10/20/2018</a:t>
             </a:fld>
             <a:endParaRPr lang="en-IN"/>
           </a:p>
@@ -1990,7 +1994,7 @@
             <a:fld id="{69579852-B829-4762-8F12-BF334723CB9F}" type="datetimeFigureOut">
               <a:rPr lang="en-US" smtClean="0"/>
               <a:pPr/>
-              <a:t>10/16/2018</a:t>
+              <a:t>10/20/2018</a:t>
             </a:fld>
             <a:endParaRPr lang="en-IN"/>
           </a:p>
@@ -2089,7 +2093,7 @@
           </a:lstStyle>
           <a:p>
             <a:r>
-              <a:rPr lang="en-US" smtClean="0"/>
+              <a:rPr lang="en-US"/>
               <a:t>Click to edit Master title style</a:t>
             </a:r>
             <a:endParaRPr lang="en-IN"/>
@@ -2146,35 +2150,35 @@
           <a:p>
             <a:pPr lvl="0"/>
             <a:r>
-              <a:rPr lang="en-US" smtClean="0"/>
+              <a:rPr lang="en-US"/>
               <a:t>Click to edit Master text styles</a:t>
             </a:r>
           </a:p>
           <a:p>
             <a:pPr lvl="1"/>
             <a:r>
-              <a:rPr lang="en-US" smtClean="0"/>
+              <a:rPr lang="en-US"/>
               <a:t>Second level</a:t>
             </a:r>
           </a:p>
           <a:p>
             <a:pPr lvl="2"/>
             <a:r>
-              <a:rPr lang="en-US" smtClean="0"/>
+              <a:rPr lang="en-US"/>
               <a:t>Third level</a:t>
             </a:r>
           </a:p>
           <a:p>
             <a:pPr lvl="3"/>
             <a:r>
-              <a:rPr lang="en-US" smtClean="0"/>
+              <a:rPr lang="en-US"/>
               <a:t>Fourth level</a:t>
             </a:r>
           </a:p>
           <a:p>
             <a:pPr lvl="4"/>
             <a:r>
-              <a:rPr lang="en-US" smtClean="0"/>
+              <a:rPr lang="en-US"/>
               <a:t>Fifth level</a:t>
             </a:r>
             <a:endParaRPr lang="en-IN"/>
@@ -2240,7 +2244,7 @@
           <a:p>
             <a:pPr lvl="0"/>
             <a:r>
-              <a:rPr lang="en-US" smtClean="0"/>
+              <a:rPr lang="en-US"/>
               <a:t>Click to edit Master text styles</a:t>
             </a:r>
           </a:p>
@@ -2264,7 +2268,7 @@
             <a:fld id="{69579852-B829-4762-8F12-BF334723CB9F}" type="datetimeFigureOut">
               <a:rPr lang="en-US" smtClean="0"/>
               <a:pPr/>
-              <a:t>10/16/2018</a:t>
+              <a:t>10/20/2018</a:t>
             </a:fld>
             <a:endParaRPr lang="en-IN"/>
           </a:p>
@@ -2363,7 +2367,7 @@
           </a:lstStyle>
           <a:p>
             <a:r>
-              <a:rPr lang="en-US" smtClean="0"/>
+              <a:rPr lang="en-US"/>
               <a:t>Click to edit Master title style</a:t>
             </a:r>
             <a:endParaRPr lang="en-IN"/>
@@ -2490,7 +2494,7 @@
           <a:p>
             <a:pPr lvl="0"/>
             <a:r>
-              <a:rPr lang="en-US" smtClean="0"/>
+              <a:rPr lang="en-US"/>
               <a:t>Click to edit Master text styles</a:t>
             </a:r>
           </a:p>
@@ -2514,7 +2518,7 @@
             <a:fld id="{69579852-B829-4762-8F12-BF334723CB9F}" type="datetimeFigureOut">
               <a:rPr lang="en-US" smtClean="0"/>
               <a:pPr/>
-              <a:t>10/16/2018</a:t>
+              <a:t>10/20/2018</a:t>
             </a:fld>
             <a:endParaRPr lang="en-IN"/>
           </a:p>
@@ -2619,7 +2623,7 @@
           <a:lstStyle/>
           <a:p>
             <a:r>
-              <a:rPr lang="en-US" smtClean="0"/>
+              <a:rPr lang="en-US"/>
               <a:t>Click to edit Master title style</a:t>
             </a:r>
             <a:endParaRPr lang="en-IN"/>
@@ -2653,35 +2657,35 @@
           <a:p>
             <a:pPr lvl="0"/>
             <a:r>
-              <a:rPr lang="en-US" smtClean="0"/>
+              <a:rPr lang="en-US"/>
               <a:t>Click to edit Master text styles</a:t>
             </a:r>
           </a:p>
           <a:p>
             <a:pPr lvl="1"/>
             <a:r>
-              <a:rPr lang="en-US" smtClean="0"/>
+              <a:rPr lang="en-US"/>
               <a:t>Second level</a:t>
             </a:r>
           </a:p>
           <a:p>
             <a:pPr lvl="2"/>
             <a:r>
-              <a:rPr lang="en-US" smtClean="0"/>
+              <a:rPr lang="en-US"/>
               <a:t>Third level</a:t>
             </a:r>
           </a:p>
           <a:p>
             <a:pPr lvl="3"/>
             <a:r>
-              <a:rPr lang="en-US" smtClean="0"/>
+              <a:rPr lang="en-US"/>
               <a:t>Fourth level</a:t>
             </a:r>
           </a:p>
           <a:p>
             <a:pPr lvl="4"/>
             <a:r>
-              <a:rPr lang="en-US" smtClean="0"/>
+              <a:rPr lang="en-US"/>
               <a:t>Fifth level</a:t>
             </a:r>
             <a:endParaRPr lang="en-IN"/>
@@ -2724,7 +2728,7 @@
             <a:fld id="{69579852-B829-4762-8F12-BF334723CB9F}" type="datetimeFigureOut">
               <a:rPr lang="en-US" smtClean="0"/>
               <a:pPr/>
-              <a:t>10/16/2018</a:t>
+              <a:t>10/20/2018</a:t>
             </a:fld>
             <a:endParaRPr lang="en-IN"/>
           </a:p>
@@ -3097,7 +3101,13 @@
       </p:grpSpPr>
       <p:sp>
         <p:nvSpPr>
-          <p:cNvPr id="5" name="Title 4"/>
+          <p:cNvPr id="2" name="Title 1">
+            <a:extLst>
+              <a:ext uri="{FF2B5EF4-FFF2-40B4-BE49-F238E27FC236}">
+                <a16:creationId xmlns:a16="http://schemas.microsoft.com/office/drawing/2014/main" id="{44FCBA9F-0B38-4AF0-B3B8-218EB31091C2}"/>
+              </a:ext>
+            </a:extLst>
+          </p:cNvPr>
           <p:cNvSpPr>
             <a:spLocks noGrp="1"/>
           </p:cNvSpPr>
@@ -3107,21 +3117,42 @@
         </p:nvSpPr>
         <p:spPr/>
         <p:txBody>
-          <a:bodyPr/>
-          <a:lstStyle/>
-          <a:p>
-            <a:pPr algn="l"/>
-            <a:r>
-              <a:rPr lang="en-US" b="1" dirty="0" smtClean="0"/>
-              <a:t>The Parable of Ten Virgins</a:t>
-            </a:r>
-            <a:endParaRPr lang="en-IN" b="1" dirty="0"/>
+          <a:bodyPr>
+            <a:normAutofit fontScale="90000"/>
+          </a:bodyPr>
+          <a:lstStyle/>
+          <a:p>
+            <a:r>
+              <a:rPr lang="en-US" dirty="0"/>
+              <a:t>           The Bible  Mission</a:t>
+            </a:r>
+            <a:br>
+              <a:rPr lang="en-US" dirty="0"/>
+            </a:br>
+            <a:r>
+              <a:rPr lang="en-US" dirty="0"/>
+              <a:t>The Revelation of </a:t>
+            </a:r>
+            <a:r>
+              <a:rPr lang="en-US" dirty="0" smtClean="0"/>
+              <a:t>God </a:t>
+            </a:r>
+            <a:r>
+              <a:rPr lang="en-US" dirty="0"/>
+              <a:t>to St. M. Devadas</a:t>
+            </a:r>
           </a:p>
         </p:txBody>
       </p:sp>
       <p:pic>
         <p:nvPicPr>
-          <p:cNvPr id="1026" name="Picture 2" descr="F:\gova\Personal\New folder\fivefoolishvirgins.jpg"/>
+          <p:cNvPr id="1026" name="Picture 2" descr="Image result for bible mission">
+            <a:extLst>
+              <a:ext uri="{FF2B5EF4-FFF2-40B4-BE49-F238E27FC236}">
+                <a16:creationId xmlns:a16="http://schemas.microsoft.com/office/drawing/2014/main" id="{27FF0D2B-A6B6-4F64-96C9-CA1C059C86B6}"/>
+              </a:ext>
+            </a:extLst>
+          </p:cNvPr>
           <p:cNvPicPr>
             <a:picLocks noGrp="1" noChangeAspect="1" noChangeArrowheads="1"/>
           </p:cNvPicPr>
@@ -3130,7 +3161,13 @@
           </p:nvPr>
         </p:nvPicPr>
         <p:blipFill>
-          <a:blip r:embed="rId2"/>
+          <a:blip r:embed="rId2">
+            <a:extLst>
+              <a:ext uri="{28A0092B-C50C-407E-A947-70E740481C1C}">
+                <a14:useLocalDpi xmlns:a14="http://schemas.microsoft.com/office/drawing/2010/main" val="0"/>
+              </a:ext>
+            </a:extLst>
+          </a:blip>
           <a:srcRect/>
           <a:stretch>
             <a:fillRect/>
@@ -3138,150 +3175,66 @@
         </p:blipFill>
         <p:spPr bwMode="auto">
           <a:xfrm>
-            <a:off x="214282" y="2857496"/>
-            <a:ext cx="4524380" cy="3220248"/>
+            <a:off x="4019249" y="2945607"/>
+            <a:ext cx="3113563" cy="1892846"/>
           </a:xfrm>
           <a:prstGeom prst="rect">
             <a:avLst/>
           </a:prstGeom>
           <a:noFill/>
+          <a:extLst>
+            <a:ext uri="{909E8E84-426E-40DD-AFC4-6F175D3DCCD1}">
+              <a14:hiddenFill xmlns:a14="http://schemas.microsoft.com/office/drawing/2010/main">
+                <a:solidFill>
+                  <a:srgbClr val="FFFFFF"/>
+                </a:solidFill>
+              </a14:hiddenFill>
+            </a:ext>
+          </a:extLst>
         </p:spPr>
       </p:pic>
-      <p:sp>
-        <p:nvSpPr>
-          <p:cNvPr id="8" name="TextBox 7"/>
-          <p:cNvSpPr txBox="1"/>
-          <p:nvPr/>
-        </p:nvSpPr>
-        <p:spPr>
-          <a:xfrm>
-            <a:off x="285720" y="2500306"/>
-            <a:ext cx="4286280" cy="369332"/>
-          </a:xfrm>
-          <a:prstGeom prst="rect">
-            <a:avLst/>
-          </a:prstGeom>
-          <a:noFill/>
-        </p:spPr>
-        <p:txBody>
-          <a:bodyPr wrap="square" rtlCol="0">
-            <a:spAutoFit/>
-          </a:bodyPr>
-          <a:lstStyle/>
-          <a:p>
-            <a:pPr algn="ctr"/>
-            <a:r>
-              <a:rPr lang="en-US" b="1" dirty="0" smtClean="0">
-                <a:latin typeface="Times New Roman" pitchFamily="18" charset="0"/>
-                <a:cs typeface="Times New Roman" pitchFamily="18" charset="0"/>
-              </a:rPr>
-              <a:t>Five Foolish Virgins</a:t>
-            </a:r>
-            <a:endParaRPr lang="en-IN" b="1" dirty="0">
-              <a:latin typeface="Times New Roman" pitchFamily="18" charset="0"/>
-              <a:cs typeface="Times New Roman" pitchFamily="18" charset="0"/>
-            </a:endParaRPr>
-          </a:p>
-        </p:txBody>
-      </p:sp>
-      <p:sp>
-        <p:nvSpPr>
-          <p:cNvPr id="9" name="TextBox 8"/>
-          <p:cNvSpPr txBox="1"/>
-          <p:nvPr/>
-        </p:nvSpPr>
-        <p:spPr>
-          <a:xfrm>
-            <a:off x="642910" y="1643050"/>
-            <a:ext cx="7929618" cy="830997"/>
-          </a:xfrm>
-          <a:prstGeom prst="rect">
-            <a:avLst/>
-          </a:prstGeom>
-          <a:noFill/>
-        </p:spPr>
-        <p:txBody>
-          <a:bodyPr wrap="square" rtlCol="0">
-            <a:spAutoFit/>
-          </a:bodyPr>
-          <a:lstStyle/>
-          <a:p>
-            <a:pPr>
-              <a:buFont typeface="Wingdings" pitchFamily="2" charset="2"/>
-              <a:buChar char="§"/>
-            </a:pPr>
-            <a:r>
-              <a:rPr lang="en-IN" sz="2400" dirty="0" smtClean="0"/>
-              <a:t> The Parable that was told by Lord Jesus about the Kingdom of Heaven</a:t>
-            </a:r>
-            <a:endParaRPr lang="en-IN" sz="2400" dirty="0"/>
-          </a:p>
-        </p:txBody>
-      </p:sp>
       <p:pic>
         <p:nvPicPr>
-          <p:cNvPr id="1027" name="Picture 3" descr="F:\gova\Personal\New folder\fivewisevirgins.jpg"/>
+          <p:cNvPr id="7" name="Picture 6">
+            <a:extLst>
+              <a:ext uri="{FF2B5EF4-FFF2-40B4-BE49-F238E27FC236}">
+                <a16:creationId xmlns:a16="http://schemas.microsoft.com/office/drawing/2014/main" id="{28CD3EB6-0D17-45C1-BEA6-89519F458CE2}"/>
+              </a:ext>
+            </a:extLst>
+          </p:cNvPr>
           <p:cNvPicPr>
-            <a:picLocks noChangeAspect="1" noChangeArrowheads="1"/>
+            <a:picLocks noChangeAspect="1"/>
           </p:cNvPicPr>
           <p:nvPr/>
         </p:nvPicPr>
         <p:blipFill>
-          <a:blip r:embed="rId3"/>
-          <a:srcRect/>
+          <a:blip r:embed="rId3" cstate="print">
+            <a:extLst>
+              <a:ext uri="{28A0092B-C50C-407E-A947-70E740481C1C}">
+                <a14:useLocalDpi xmlns:a14="http://schemas.microsoft.com/office/drawing/2010/main" val="0"/>
+              </a:ext>
+            </a:extLst>
+          </a:blip>
           <a:stretch>
             <a:fillRect/>
           </a:stretch>
         </p:blipFill>
-        <p:spPr bwMode="auto">
-          <a:xfrm>
-            <a:off x="4929190" y="2857496"/>
-            <a:ext cx="4000528" cy="3214710"/>
+        <p:spPr>
+          <a:xfrm>
+            <a:off x="1151906" y="2629642"/>
+            <a:ext cx="2284841" cy="2571749"/>
           </a:xfrm>
           <a:prstGeom prst="rect">
             <a:avLst/>
           </a:prstGeom>
-          <a:noFill/>
         </p:spPr>
       </p:pic>
-      <p:sp>
-        <p:nvSpPr>
-          <p:cNvPr id="11" name="TextBox 10"/>
-          <p:cNvSpPr txBox="1"/>
-          <p:nvPr/>
-        </p:nvSpPr>
-        <p:spPr>
-          <a:xfrm>
-            <a:off x="5000628" y="2500306"/>
-            <a:ext cx="3500462" cy="369332"/>
-          </a:xfrm>
-          <a:prstGeom prst="rect">
-            <a:avLst/>
-          </a:prstGeom>
-          <a:noFill/>
-        </p:spPr>
-        <p:txBody>
-          <a:bodyPr wrap="square" rtlCol="0">
-            <a:spAutoFit/>
-          </a:bodyPr>
-          <a:lstStyle/>
-          <a:p>
-            <a:pPr algn="ctr"/>
-            <a:r>
-              <a:rPr lang="en-IN" b="1" dirty="0" smtClean="0">
-                <a:latin typeface="Times New Roman" pitchFamily="18" charset="0"/>
-                <a:cs typeface="Times New Roman" pitchFamily="18" charset="0"/>
-              </a:rPr>
-              <a:t>Five Wise Virgins</a:t>
-            </a:r>
-            <a:endParaRPr lang="en-IN" b="1" dirty="0">
-              <a:latin typeface="Times New Roman" pitchFamily="18" charset="0"/>
-              <a:cs typeface="Times New Roman" pitchFamily="18" charset="0"/>
-            </a:endParaRPr>
-          </a:p>
-        </p:txBody>
-      </p:sp>
     </p:spTree>
+    <p:extLst>
+      <p:ext uri="{BB962C8B-B14F-4D97-AF65-F5344CB8AC3E}">
+        <p14:creationId xmlns:p14="http://schemas.microsoft.com/office/powerpoint/2010/main" val="2065274081"/>
+      </p:ext>
+    </p:extLst>
   </p:cSld>
   <p:clrMapOvr>
     <a:masterClrMapping/>
@@ -3308,12 +3261,18 @@
       </p:grpSpPr>
       <p:sp>
         <p:nvSpPr>
-          <p:cNvPr id="2" name="Title 1"/>
-          <p:cNvSpPr>
-            <a:spLocks noGrp="1"/>
-          </p:cNvSpPr>
-          <p:nvPr>
-            <p:ph type="title"/>
+          <p:cNvPr id="3" name="Content Placeholder 2">
+            <a:extLst>
+              <a:ext uri="{FF2B5EF4-FFF2-40B4-BE49-F238E27FC236}">
+                <a16:creationId xmlns:a16="http://schemas.microsoft.com/office/drawing/2014/main" id="{F4F76747-A661-481F-AFBE-9BB781037198}"/>
+              </a:ext>
+            </a:extLst>
+          </p:cNvPr>
+          <p:cNvSpPr>
+            <a:spLocks noGrp="1"/>
+          </p:cNvSpPr>
+          <p:nvPr>
+            <p:ph idx="1"/>
           </p:nvPr>
         </p:nvSpPr>
         <p:spPr/>
@@ -3322,62 +3281,65 @@
           <a:lstStyle/>
           <a:p>
             <a:r>
-              <a:rPr lang="en-US" dirty="0" smtClean="0"/>
-              <a:t>How are you looking at Jesus?</a:t>
-            </a:r>
+              <a:rPr lang="en-IN" dirty="0"/>
+              <a:t>They are on their rapture Journey</a:t>
+            </a:r>
+          </a:p>
+          <a:p>
+            <a:r>
+              <a:rPr lang="en-IN" dirty="0"/>
+              <a:t>They see Christ as a Bridegroom</a:t>
+            </a:r>
+            <a:br>
+              <a:rPr lang="en-IN" dirty="0"/>
+            </a:br>
+            <a:endParaRPr lang="en-IN" dirty="0"/>
+          </a:p>
+          <a:p>
             <a:endParaRPr lang="en-US" dirty="0"/>
           </a:p>
         </p:txBody>
       </p:sp>
-      <p:sp>
-        <p:nvSpPr>
-          <p:cNvPr id="3" name="Content Placeholder 2"/>
-          <p:cNvSpPr>
-            <a:spLocks noGrp="1"/>
-          </p:cNvSpPr>
-          <p:nvPr>
-            <p:ph idx="1"/>
-          </p:nvPr>
-        </p:nvSpPr>
-        <p:spPr/>
-        <p:txBody>
-          <a:bodyPr/>
-          <a:lstStyle/>
-          <a:p>
-            <a:r>
-              <a:rPr lang="en-US" dirty="0" smtClean="0"/>
-              <a:t>Master</a:t>
-            </a:r>
-          </a:p>
-          <a:p>
-            <a:r>
-              <a:rPr lang="en-US" dirty="0" smtClean="0"/>
-              <a:t>Friend</a:t>
-            </a:r>
-          </a:p>
-          <a:p>
-            <a:r>
-              <a:rPr lang="en-US" dirty="0" err="1" smtClean="0"/>
-              <a:t>Saviour</a:t>
-            </a:r>
-            <a:r>
-              <a:rPr lang="en-US" dirty="0" smtClean="0"/>
-              <a:t> </a:t>
-            </a:r>
-          </a:p>
-          <a:p>
-            <a:r>
-              <a:rPr lang="en-US" dirty="0" smtClean="0"/>
-              <a:t>Bridegroom </a:t>
-            </a:r>
-            <a:endParaRPr lang="en-US" dirty="0"/>
-          </a:p>
-        </p:txBody>
-      </p:sp>
+      <p:pic>
+        <p:nvPicPr>
+          <p:cNvPr id="5" name="Picture 4">
+            <a:extLst>
+              <a:ext uri="{FF2B5EF4-FFF2-40B4-BE49-F238E27FC236}">
+                <a16:creationId xmlns:a16="http://schemas.microsoft.com/office/drawing/2014/main" id="{27FBED4E-7FCB-4073-BEC4-2BB9CBC1377C}"/>
+              </a:ext>
+            </a:extLst>
+          </p:cNvPr>
+          <p:cNvPicPr>
+            <a:picLocks noChangeAspect="1"/>
+          </p:cNvPicPr>
+          <p:nvPr/>
+        </p:nvPicPr>
+        <p:blipFill>
+          <a:blip r:embed="rId2">
+            <a:extLst>
+              <a:ext uri="{28A0092B-C50C-407E-A947-70E740481C1C}">
+                <a14:useLocalDpi xmlns:a14="http://schemas.microsoft.com/office/drawing/2010/main" val="0"/>
+              </a:ext>
+            </a:extLst>
+          </a:blip>
+          <a:stretch>
+            <a:fillRect/>
+          </a:stretch>
+        </p:blipFill>
+        <p:spPr>
+          <a:xfrm>
+            <a:off x="1979712" y="3049173"/>
+            <a:ext cx="4860652" cy="3552695"/>
+          </a:xfrm>
+          <a:prstGeom prst="rect">
+            <a:avLst/>
+          </a:prstGeom>
+        </p:spPr>
+      </p:pic>
     </p:spTree>
     <p:extLst>
       <p:ext uri="{BB962C8B-B14F-4D97-AF65-F5344CB8AC3E}">
-        <p14:creationId xmlns:p14="http://schemas.microsoft.com/office/powerpoint/2010/main" val="3075083183"/>
+        <p14:creationId xmlns:p14="http://schemas.microsoft.com/office/powerpoint/2010/main" val="4226635447"/>
       </p:ext>
     </p:extLst>
   </p:cSld>
@@ -3404,45 +3366,9 @@
           <a:chExt cx="0" cy="0"/>
         </a:xfrm>
       </p:grpSpPr>
-      <p:sp>
-        <p:nvSpPr>
-          <p:cNvPr id="4" name="TextBox 3"/>
-          <p:cNvSpPr txBox="1"/>
-          <p:nvPr/>
-        </p:nvSpPr>
-        <p:spPr>
-          <a:xfrm>
-            <a:off x="428596" y="428604"/>
-            <a:ext cx="8286808" cy="523220"/>
-          </a:xfrm>
-          <a:prstGeom prst="rect">
-            <a:avLst/>
-          </a:prstGeom>
-          <a:noFill/>
-        </p:spPr>
-        <p:txBody>
-          <a:bodyPr wrap="square" rtlCol="0">
-            <a:spAutoFit/>
-          </a:bodyPr>
-          <a:lstStyle/>
-          <a:p>
-            <a:r>
-              <a:rPr lang="en-IN" sz="2800" b="1" dirty="0" smtClean="0">
-                <a:latin typeface="Times New Roman" pitchFamily="18" charset="0"/>
-                <a:cs typeface="Times New Roman" pitchFamily="18" charset="0"/>
-              </a:rPr>
-              <a:t>4)   They all slumbered and slept</a:t>
-            </a:r>
-            <a:endParaRPr lang="en-IN" sz="2800" b="1" dirty="0">
-              <a:latin typeface="Times New Roman" pitchFamily="18" charset="0"/>
-              <a:cs typeface="Times New Roman" pitchFamily="18" charset="0"/>
-            </a:endParaRPr>
-          </a:p>
-        </p:txBody>
-      </p:sp>
       <p:pic>
         <p:nvPicPr>
-          <p:cNvPr id="7170" name="Picture 2" descr="F:\gova\Personal\New folder\slumbered and slept.jpg"/>
+          <p:cNvPr id="6146" name="Picture 2" descr="F:\gova\Personal\New folder\christ-child15.jpg"/>
           <p:cNvPicPr>
             <a:picLocks noGrp="1" noChangeAspect="1" noChangeArrowheads="1"/>
           </p:cNvPicPr>
@@ -3459,8 +3385,8 @@
         </p:blipFill>
         <p:spPr bwMode="auto">
           <a:xfrm>
-            <a:off x="755576" y="2914818"/>
-            <a:ext cx="7404774" cy="2539280"/>
+            <a:off x="857224" y="714356"/>
+            <a:ext cx="2926049" cy="2328866"/>
           </a:xfrm>
           <a:prstGeom prst="rect">
             <a:avLst/>
@@ -3470,14 +3396,14 @@
       </p:pic>
       <p:sp>
         <p:nvSpPr>
-          <p:cNvPr id="7" name="TextBox 6"/>
+          <p:cNvPr id="5" name="TextBox 4"/>
           <p:cNvSpPr txBox="1"/>
           <p:nvPr/>
         </p:nvSpPr>
         <p:spPr>
           <a:xfrm>
-            <a:off x="571472" y="928670"/>
-            <a:ext cx="3357586" cy="461665"/>
+            <a:off x="857224" y="214290"/>
+            <a:ext cx="2928958" cy="461665"/>
           </a:xfrm>
           <a:prstGeom prst="rect">
             <a:avLst/>
@@ -3490,62 +3416,57 @@
           </a:bodyPr>
           <a:lstStyle/>
           <a:p>
-            <a:pPr>
-              <a:buFont typeface="Wingdings" pitchFamily="2" charset="2"/>
-              <a:buChar char="§"/>
-            </a:pPr>
-            <a:r>
-              <a:rPr lang="en-IN" sz="2400" dirty="0" smtClean="0"/>
-              <a:t>The woes of mid night</a:t>
-            </a:r>
-            <a:endParaRPr lang="en-IN" sz="2400" dirty="0"/>
-          </a:p>
-        </p:txBody>
-      </p:sp>
-      <p:sp>
-        <p:nvSpPr>
-          <p:cNvPr id="9" name="TextBox 8"/>
-          <p:cNvSpPr txBox="1"/>
+            <a:pPr algn="ctr"/>
+            <a:r>
+              <a:rPr lang="en-US" sz="2400" b="1" dirty="0">
+                <a:latin typeface="Times New Roman" pitchFamily="18" charset="0"/>
+                <a:cs typeface="Times New Roman" pitchFamily="18" charset="0"/>
+              </a:rPr>
+              <a:t>Baby Jesus-Son</a:t>
+            </a:r>
+            <a:endParaRPr lang="en-IN" sz="2400" b="1" dirty="0">
+              <a:latin typeface="Times New Roman" pitchFamily="18" charset="0"/>
+              <a:cs typeface="Times New Roman" pitchFamily="18" charset="0"/>
+            </a:endParaRPr>
+          </a:p>
+        </p:txBody>
+      </p:sp>
+      <p:pic>
+        <p:nvPicPr>
+          <p:cNvPr id="6147" name="Picture 3" descr="F:\gova\Personal\New folder\Jesus-Adult-Awesome-Image.jpg"/>
+          <p:cNvPicPr>
+            <a:picLocks noChangeAspect="1" noChangeArrowheads="1"/>
+          </p:cNvPicPr>
           <p:nvPr/>
-        </p:nvSpPr>
-        <p:spPr>
-          <a:xfrm>
-            <a:off x="571472" y="1324261"/>
-            <a:ext cx="6786610" cy="461665"/>
+        </p:nvPicPr>
+        <p:blipFill>
+          <a:blip r:embed="rId3"/>
+          <a:srcRect/>
+          <a:stretch>
+            <a:fillRect/>
+          </a:stretch>
+        </p:blipFill>
+        <p:spPr bwMode="auto">
+          <a:xfrm>
+            <a:off x="4357686" y="714356"/>
+            <a:ext cx="4152908" cy="2295529"/>
           </a:xfrm>
           <a:prstGeom prst="rect">
             <a:avLst/>
           </a:prstGeom>
           <a:noFill/>
         </p:spPr>
-        <p:txBody>
-          <a:bodyPr wrap="square" rtlCol="0">
-            <a:spAutoFit/>
-          </a:bodyPr>
-          <a:lstStyle/>
-          <a:p>
-            <a:pPr>
-              <a:buFont typeface="Wingdings" pitchFamily="2" charset="2"/>
-              <a:buChar char="§"/>
-            </a:pPr>
-            <a:r>
-              <a:rPr lang="en-IN" sz="2400" dirty="0" smtClean="0"/>
-              <a:t>The unconditional delay of the bridegroom</a:t>
-            </a:r>
-            <a:endParaRPr lang="en-IN" sz="2400" dirty="0"/>
-          </a:p>
-        </p:txBody>
-      </p:sp>
-      <p:sp>
-        <p:nvSpPr>
-          <p:cNvPr id="10" name="TextBox 9"/>
+      </p:pic>
+      <p:sp>
+        <p:nvSpPr>
+          <p:cNvPr id="8" name="TextBox 7"/>
           <p:cNvSpPr txBox="1"/>
           <p:nvPr/>
         </p:nvSpPr>
         <p:spPr>
           <a:xfrm>
-            <a:off x="571472" y="1714488"/>
-            <a:ext cx="7643866" cy="1569660"/>
+            <a:off x="4357686" y="142852"/>
+            <a:ext cx="4143404" cy="523220"/>
           </a:xfrm>
           <a:prstGeom prst="rect">
             <a:avLst/>
@@ -3558,51 +3479,154 @@
           </a:bodyPr>
           <a:lstStyle/>
           <a:p>
-            <a:pPr>
-              <a:buFont typeface="Wingdings" pitchFamily="2" charset="2"/>
-              <a:buChar char="§"/>
-            </a:pPr>
-            <a:r>
-              <a:rPr lang="en-IN" sz="2400" dirty="0" smtClean="0"/>
-              <a:t>The </a:t>
-            </a:r>
-            <a:r>
-              <a:rPr lang="en-IN" sz="2400" dirty="0"/>
-              <a:t>spiritual weaknesses </a:t>
-            </a:r>
-            <a:r>
-              <a:rPr lang="en-IN" sz="2400" dirty="0" smtClean="0"/>
-              <a:t>(Mar</a:t>
-            </a:r>
-            <a:r>
-              <a:rPr lang="en-IN" sz="2400" dirty="0"/>
-              <a:t>. </a:t>
-            </a:r>
-            <a:r>
-              <a:rPr lang="en-IN" sz="2400" dirty="0" smtClean="0"/>
-              <a:t>26:40-43)</a:t>
-            </a:r>
-          </a:p>
-          <a:p>
-            <a:pPr>
-              <a:buFont typeface="Wingdings" pitchFamily="2" charset="2"/>
-              <a:buChar char="§"/>
-            </a:pPr>
-            <a:r>
-              <a:rPr lang="en-IN" sz="2400" dirty="0"/>
-              <a:t>Unspiritual practice and elements    </a:t>
-            </a:r>
-            <a:r>
-              <a:rPr lang="en-IN" sz="2400" dirty="0" smtClean="0"/>
-              <a:t>(II Cor. 11:30)</a:t>
-            </a:r>
-            <a:endParaRPr lang="en-IN" sz="2400" dirty="0"/>
-          </a:p>
-          <a:p>
-            <a:endParaRPr lang="en-IN" sz="2400" dirty="0"/>
-          </a:p>
-          <a:p>
-            <a:endParaRPr lang="en-IN" sz="2400" dirty="0"/>
+            <a:pPr algn="ctr"/>
+            <a:r>
+              <a:rPr lang="en-IN" sz="2800" b="1" dirty="0">
+                <a:latin typeface="Times New Roman" pitchFamily="18" charset="0"/>
+                <a:cs typeface="Times New Roman" pitchFamily="18" charset="0"/>
+              </a:rPr>
+              <a:t>Adult Jesus-Son of Man</a:t>
+            </a:r>
+          </a:p>
+        </p:txBody>
+      </p:sp>
+      <p:pic>
+        <p:nvPicPr>
+          <p:cNvPr id="6148" name="Picture 4" descr="F:\gova\Personal\New folder\Divine god.jpg"/>
+          <p:cNvPicPr>
+            <a:picLocks noChangeAspect="1" noChangeArrowheads="1"/>
+          </p:cNvPicPr>
+          <p:nvPr/>
+        </p:nvPicPr>
+        <p:blipFill>
+          <a:blip r:embed="rId4"/>
+          <a:srcRect/>
+          <a:stretch>
+            <a:fillRect/>
+          </a:stretch>
+        </p:blipFill>
+        <p:spPr bwMode="auto">
+          <a:xfrm>
+            <a:off x="833423" y="3548080"/>
+            <a:ext cx="2952759" cy="3095630"/>
+          </a:xfrm>
+          <a:prstGeom prst="rect">
+            <a:avLst/>
+          </a:prstGeom>
+          <a:noFill/>
+        </p:spPr>
+      </p:pic>
+      <p:sp>
+        <p:nvSpPr>
+          <p:cNvPr id="11" name="TextBox 10"/>
+          <p:cNvSpPr txBox="1"/>
+          <p:nvPr/>
+        </p:nvSpPr>
+        <p:spPr>
+          <a:xfrm>
+            <a:off x="490344" y="3071810"/>
+            <a:ext cx="3505592" cy="523220"/>
+          </a:xfrm>
+          <a:prstGeom prst="rect">
+            <a:avLst/>
+          </a:prstGeom>
+          <a:noFill/>
+        </p:spPr>
+        <p:txBody>
+          <a:bodyPr wrap="square" rtlCol="0">
+            <a:spAutoFit/>
+          </a:bodyPr>
+          <a:lstStyle/>
+          <a:p>
+            <a:pPr algn="ctr"/>
+            <a:r>
+              <a:rPr lang="en-US" sz="2400" b="1" dirty="0">
+                <a:latin typeface="Times New Roman" pitchFamily="18" charset="0"/>
+                <a:cs typeface="Times New Roman" pitchFamily="18" charset="0"/>
+              </a:rPr>
+              <a:t>Divine Jesus-Son of </a:t>
+            </a:r>
+            <a:r>
+              <a:rPr lang="en-US" sz="2400" b="1" dirty="0" smtClean="0">
+                <a:latin typeface="Times New Roman" pitchFamily="18" charset="0"/>
+                <a:cs typeface="Times New Roman" pitchFamily="18" charset="0"/>
+              </a:rPr>
+              <a:t>God </a:t>
+            </a:r>
+            <a:r>
+              <a:rPr lang="en-US" sz="2800" b="1" dirty="0" smtClean="0">
+                <a:latin typeface="Times New Roman" pitchFamily="18" charset="0"/>
+                <a:cs typeface="Times New Roman" pitchFamily="18" charset="0"/>
+              </a:rPr>
+              <a:t> </a:t>
+            </a:r>
+            <a:endParaRPr lang="en-IN" sz="2800" b="1" dirty="0">
+              <a:latin typeface="Times New Roman" pitchFamily="18" charset="0"/>
+              <a:cs typeface="Times New Roman" pitchFamily="18" charset="0"/>
+            </a:endParaRPr>
+          </a:p>
+        </p:txBody>
+      </p:sp>
+      <p:pic>
+        <p:nvPicPr>
+          <p:cNvPr id="6149" name="Picture 5" descr="F:\gova\Personal\New folder\glorious.jpg"/>
+          <p:cNvPicPr>
+            <a:picLocks noChangeAspect="1" noChangeArrowheads="1"/>
+          </p:cNvPicPr>
+          <p:nvPr/>
+        </p:nvPicPr>
+        <p:blipFill>
+          <a:blip r:embed="rId5"/>
+          <a:srcRect/>
+          <a:stretch>
+            <a:fillRect/>
+          </a:stretch>
+        </p:blipFill>
+        <p:spPr bwMode="auto">
+          <a:xfrm>
+            <a:off x="4357686" y="3571876"/>
+            <a:ext cx="4214842" cy="3071834"/>
+          </a:xfrm>
+          <a:prstGeom prst="rect">
+            <a:avLst/>
+          </a:prstGeom>
+          <a:noFill/>
+        </p:spPr>
+      </p:pic>
+      <p:sp>
+        <p:nvSpPr>
+          <p:cNvPr id="13" name="TextBox 12"/>
+          <p:cNvSpPr txBox="1"/>
+          <p:nvPr/>
+        </p:nvSpPr>
+        <p:spPr>
+          <a:xfrm>
+            <a:off x="4357686" y="3071810"/>
+            <a:ext cx="4214842" cy="461665"/>
+          </a:xfrm>
+          <a:prstGeom prst="rect">
+            <a:avLst/>
+          </a:prstGeom>
+          <a:noFill/>
+        </p:spPr>
+        <p:txBody>
+          <a:bodyPr wrap="square" rtlCol="0">
+            <a:spAutoFit/>
+          </a:bodyPr>
+          <a:lstStyle/>
+          <a:p>
+            <a:pPr algn="ctr"/>
+            <a:r>
+              <a:rPr lang="en-US" sz="2400" b="1" dirty="0">
+                <a:latin typeface="Times New Roman" pitchFamily="18" charset="0"/>
+                <a:cs typeface="Times New Roman" pitchFamily="18" charset="0"/>
+              </a:rPr>
+              <a:t>Glorious Jesus - Bridegroom</a:t>
+            </a:r>
+            <a:endParaRPr lang="en-IN" sz="2400" b="1" dirty="0">
+              <a:latin typeface="Times New Roman" pitchFamily="18" charset="0"/>
+              <a:cs typeface="Times New Roman" pitchFamily="18" charset="0"/>
+            </a:endParaRPr>
           </a:p>
         </p:txBody>
       </p:sp>
@@ -3633,6 +3657,28 @@
       </p:grpSpPr>
       <p:sp>
         <p:nvSpPr>
+          <p:cNvPr id="2" name="Title 1"/>
+          <p:cNvSpPr>
+            <a:spLocks noGrp="1"/>
+          </p:cNvSpPr>
+          <p:nvPr>
+            <p:ph type="title"/>
+          </p:nvPr>
+        </p:nvSpPr>
+        <p:spPr/>
+        <p:txBody>
+          <a:bodyPr/>
+          <a:lstStyle/>
+          <a:p>
+            <a:r>
+              <a:rPr lang="en-US" dirty="0"/>
+              <a:t>How are you looking at Jesus?</a:t>
+            </a:r>
+          </a:p>
+        </p:txBody>
+      </p:sp>
+      <p:sp>
+        <p:nvSpPr>
           <p:cNvPr id="3" name="Content Placeholder 2"/>
           <p:cNvSpPr>
             <a:spLocks noGrp="1"/>
@@ -3647,47 +3693,38 @@
           <a:lstStyle/>
           <a:p>
             <a:r>
-              <a:rPr lang="en-US" dirty="0" smtClean="0"/>
-              <a:t>For this reason many are weak and sick among you , and many sleep</a:t>
-            </a:r>
-            <a:endParaRPr lang="en-US" dirty="0"/>
-          </a:p>
-        </p:txBody>
-      </p:sp>
-      <p:pic>
-        <p:nvPicPr>
-          <p:cNvPr id="4" name="Picture 3"/>
-          <p:cNvPicPr>
-            <a:picLocks noChangeAspect="1"/>
-          </p:cNvPicPr>
-          <p:nvPr/>
-        </p:nvPicPr>
-        <p:blipFill>
-          <a:blip r:embed="rId2">
-            <a:extLst>
-              <a:ext uri="{28A0092B-C50C-407E-A947-70E740481C1C}">
-                <a14:useLocalDpi xmlns:a14="http://schemas.microsoft.com/office/drawing/2010/main" val="0"/>
-              </a:ext>
-            </a:extLst>
-          </a:blip>
-          <a:stretch>
-            <a:fillRect/>
-          </a:stretch>
-        </p:blipFill>
-        <p:spPr>
-          <a:xfrm>
-            <a:off x="1475656" y="3212976"/>
-            <a:ext cx="5760640" cy="2808312"/>
-          </a:xfrm>
-          <a:prstGeom prst="rect">
-            <a:avLst/>
-          </a:prstGeom>
-        </p:spPr>
-      </p:pic>
+              <a:rPr lang="en-US" dirty="0"/>
+              <a:t>Master</a:t>
+            </a:r>
+          </a:p>
+          <a:p>
+            <a:r>
+              <a:rPr lang="en-US" dirty="0"/>
+              <a:t>Friend</a:t>
+            </a:r>
+          </a:p>
+          <a:p>
+            <a:r>
+              <a:rPr lang="en-US" dirty="0" err="1"/>
+              <a:t>Saviour</a:t>
+            </a:r>
+            <a:r>
+              <a:rPr lang="en-US" dirty="0"/>
+              <a:t> </a:t>
+            </a:r>
+          </a:p>
+          <a:p>
+            <a:r>
+              <a:rPr lang="en-US" dirty="0"/>
+              <a:t>Bridegroom </a:t>
+            </a:r>
+          </a:p>
+        </p:txBody>
+      </p:sp>
     </p:spTree>
     <p:extLst>
       <p:ext uri="{BB962C8B-B14F-4D97-AF65-F5344CB8AC3E}">
-        <p14:creationId xmlns:p14="http://schemas.microsoft.com/office/powerpoint/2010/main" val="1790248440"/>
+        <p14:creationId xmlns:p14="http://schemas.microsoft.com/office/powerpoint/2010/main" val="3075083183"/>
       </p:ext>
     </p:extLst>
   </p:cSld>
@@ -3716,155 +3753,173 @@
       </p:grpSpPr>
       <p:sp>
         <p:nvSpPr>
-          <p:cNvPr id="2" name="Title 1"/>
-          <p:cNvSpPr>
-            <a:spLocks noGrp="1"/>
-          </p:cNvSpPr>
-          <p:nvPr>
-            <p:ph type="title"/>
-          </p:nvPr>
-        </p:nvSpPr>
-        <p:spPr/>
-        <p:txBody>
-          <a:bodyPr>
-            <a:normAutofit fontScale="90000"/>
+          <p:cNvPr id="4" name="TextBox 3"/>
+          <p:cNvSpPr txBox="1"/>
+          <p:nvPr/>
+        </p:nvSpPr>
+        <p:spPr>
+          <a:xfrm>
+            <a:off x="428596" y="428604"/>
+            <a:ext cx="8286808" cy="523220"/>
+          </a:xfrm>
+          <a:prstGeom prst="rect">
+            <a:avLst/>
+          </a:prstGeom>
+          <a:noFill/>
+        </p:spPr>
+        <p:txBody>
+          <a:bodyPr wrap="square" rtlCol="0">
+            <a:spAutoFit/>
           </a:bodyPr>
           <a:lstStyle/>
           <a:p>
             <a:r>
-              <a:rPr lang="en-US" dirty="0"/>
-              <a:t>5.They were all together until mid night</a:t>
-            </a:r>
-            <a:endParaRPr lang="en-IN" dirty="0"/>
-          </a:p>
-        </p:txBody>
-      </p:sp>
-      <p:sp>
-        <p:nvSpPr>
-          <p:cNvPr id="3" name="Content Placeholder 2"/>
-          <p:cNvSpPr>
-            <a:spLocks noGrp="1"/>
-          </p:cNvSpPr>
-          <p:nvPr>
-            <p:ph idx="1"/>
-          </p:nvPr>
-        </p:nvSpPr>
-        <p:spPr>
-          <a:xfrm>
-            <a:off x="457200" y="1600201"/>
-            <a:ext cx="8229600" cy="2548879"/>
-          </a:xfrm>
-        </p:spPr>
-        <p:txBody>
-          <a:bodyPr>
-            <a:normAutofit fontScale="70000" lnSpcReduction="20000"/>
-          </a:bodyPr>
-          <a:lstStyle/>
-          <a:p>
-            <a:r>
-              <a:rPr lang="en-US" dirty="0"/>
-              <a:t>They dressed together</a:t>
-            </a:r>
-          </a:p>
-          <a:p>
-            <a:r>
-              <a:rPr lang="en-US" dirty="0" smtClean="0"/>
-              <a:t>They decorated  </a:t>
-            </a:r>
-            <a:r>
-              <a:rPr lang="en-US" dirty="0"/>
-              <a:t>together</a:t>
-            </a:r>
-          </a:p>
-          <a:p>
-            <a:r>
-              <a:rPr lang="en-US" dirty="0" smtClean="0"/>
-              <a:t>They  departed </a:t>
-            </a:r>
-            <a:r>
-              <a:rPr lang="en-US" dirty="0"/>
-              <a:t>together</a:t>
-            </a:r>
-          </a:p>
-          <a:p>
-            <a:r>
-              <a:rPr lang="en-US" dirty="0" smtClean="0"/>
-              <a:t>They  dined </a:t>
-            </a:r>
-            <a:r>
-              <a:rPr lang="en-US" dirty="0"/>
-              <a:t>together</a:t>
-            </a:r>
-          </a:p>
-          <a:p>
-            <a:r>
-              <a:rPr lang="en-US" dirty="0" smtClean="0"/>
-              <a:t>They  dozed </a:t>
-            </a:r>
-            <a:r>
-              <a:rPr lang="en-US" dirty="0"/>
-              <a:t>off together</a:t>
-            </a:r>
-          </a:p>
-          <a:p>
-            <a:r>
-              <a:rPr lang="en-US" dirty="0" smtClean="0"/>
-              <a:t>They waited </a:t>
-            </a:r>
-            <a:r>
-              <a:rPr lang="en-US" dirty="0"/>
-              <a:t>together</a:t>
-            </a:r>
-          </a:p>
-          <a:p>
-            <a:r>
-              <a:rPr lang="en-US" dirty="0" smtClean="0"/>
-              <a:t>They woke </a:t>
-            </a:r>
-            <a:r>
-              <a:rPr lang="en-US" dirty="0"/>
-              <a:t>up together</a:t>
-            </a:r>
-            <a:endParaRPr lang="en-IN" dirty="0"/>
+              <a:rPr lang="en-IN" sz="2800" b="1" dirty="0">
+                <a:latin typeface="Times New Roman" pitchFamily="18" charset="0"/>
+                <a:cs typeface="Times New Roman" pitchFamily="18" charset="0"/>
+              </a:rPr>
+              <a:t>4)   They all slumbered and slept</a:t>
+            </a:r>
           </a:p>
         </p:txBody>
       </p:sp>
       <p:pic>
         <p:nvPicPr>
-          <p:cNvPr id="4" name="Picture 3"/>
+          <p:cNvPr id="7170" name="Picture 2" descr="F:\gova\Personal\New folder\slumbered and slept.jpg"/>
           <p:cNvPicPr>
-            <a:picLocks noChangeAspect="1"/>
+            <a:picLocks noGrp="1" noChangeAspect="1" noChangeArrowheads="1"/>
           </p:cNvPicPr>
-          <p:nvPr/>
+          <p:nvPr>
+            <p:ph idx="1"/>
+          </p:nvPr>
         </p:nvPicPr>
         <p:blipFill>
-          <a:blip r:embed="rId2">
-            <a:extLst>
-              <a:ext uri="{28A0092B-C50C-407E-A947-70E740481C1C}">
-                <a14:useLocalDpi xmlns:a14="http://schemas.microsoft.com/office/drawing/2010/main" val="0"/>
-              </a:ext>
-            </a:extLst>
-          </a:blip>
+          <a:blip r:embed="rId2"/>
+          <a:srcRect/>
           <a:stretch>
             <a:fillRect/>
           </a:stretch>
         </p:blipFill>
-        <p:spPr>
-          <a:xfrm>
-            <a:off x="2195736" y="4174441"/>
-            <a:ext cx="4464496" cy="2500118"/>
+        <p:spPr bwMode="auto">
+          <a:xfrm>
+            <a:off x="755576" y="2914818"/>
+            <a:ext cx="7404774" cy="2539280"/>
           </a:xfrm>
           <a:prstGeom prst="rect">
             <a:avLst/>
           </a:prstGeom>
+          <a:noFill/>
         </p:spPr>
       </p:pic>
+      <p:sp>
+        <p:nvSpPr>
+          <p:cNvPr id="7" name="TextBox 6"/>
+          <p:cNvSpPr txBox="1"/>
+          <p:nvPr/>
+        </p:nvSpPr>
+        <p:spPr>
+          <a:xfrm>
+            <a:off x="571472" y="928670"/>
+            <a:ext cx="3357586" cy="461665"/>
+          </a:xfrm>
+          <a:prstGeom prst="rect">
+            <a:avLst/>
+          </a:prstGeom>
+          <a:noFill/>
+        </p:spPr>
+        <p:txBody>
+          <a:bodyPr wrap="square" rtlCol="0">
+            <a:spAutoFit/>
+          </a:bodyPr>
+          <a:lstStyle/>
+          <a:p>
+            <a:pPr>
+              <a:buFont typeface="Wingdings" pitchFamily="2" charset="2"/>
+              <a:buChar char="§"/>
+            </a:pPr>
+            <a:r>
+              <a:rPr lang="en-IN" sz="2400" dirty="0"/>
+              <a:t>The woes of mid night</a:t>
+            </a:r>
+          </a:p>
+        </p:txBody>
+      </p:sp>
+      <p:sp>
+        <p:nvSpPr>
+          <p:cNvPr id="9" name="TextBox 8"/>
+          <p:cNvSpPr txBox="1"/>
+          <p:nvPr/>
+        </p:nvSpPr>
+        <p:spPr>
+          <a:xfrm>
+            <a:off x="571472" y="1324261"/>
+            <a:ext cx="6786610" cy="461665"/>
+          </a:xfrm>
+          <a:prstGeom prst="rect">
+            <a:avLst/>
+          </a:prstGeom>
+          <a:noFill/>
+        </p:spPr>
+        <p:txBody>
+          <a:bodyPr wrap="square" rtlCol="0">
+            <a:spAutoFit/>
+          </a:bodyPr>
+          <a:lstStyle/>
+          <a:p>
+            <a:pPr>
+              <a:buFont typeface="Wingdings" pitchFamily="2" charset="2"/>
+              <a:buChar char="§"/>
+            </a:pPr>
+            <a:r>
+              <a:rPr lang="en-IN" sz="2400" dirty="0"/>
+              <a:t>The unconditional delay of the bridegroom</a:t>
+            </a:r>
+          </a:p>
+        </p:txBody>
+      </p:sp>
+      <p:sp>
+        <p:nvSpPr>
+          <p:cNvPr id="10" name="TextBox 9"/>
+          <p:cNvSpPr txBox="1"/>
+          <p:nvPr/>
+        </p:nvSpPr>
+        <p:spPr>
+          <a:xfrm>
+            <a:off x="571472" y="1714488"/>
+            <a:ext cx="7643866" cy="1569660"/>
+          </a:xfrm>
+          <a:prstGeom prst="rect">
+            <a:avLst/>
+          </a:prstGeom>
+          <a:noFill/>
+        </p:spPr>
+        <p:txBody>
+          <a:bodyPr wrap="square" rtlCol="0">
+            <a:spAutoFit/>
+          </a:bodyPr>
+          <a:lstStyle/>
+          <a:p>
+            <a:pPr>
+              <a:buFont typeface="Wingdings" pitchFamily="2" charset="2"/>
+              <a:buChar char="§"/>
+            </a:pPr>
+            <a:r>
+              <a:rPr lang="en-IN" sz="2400" dirty="0"/>
+              <a:t>The spiritual weaknesses (Mar. 26:40-43)</a:t>
+            </a:r>
+          </a:p>
+          <a:p>
+            <a:endParaRPr lang="en-IN" sz="2400" dirty="0"/>
+          </a:p>
+          <a:p>
+            <a:endParaRPr lang="en-IN" sz="2400" dirty="0"/>
+          </a:p>
+          <a:p>
+            <a:endParaRPr lang="en-IN" sz="2400" dirty="0"/>
+          </a:p>
+        </p:txBody>
+      </p:sp>
     </p:spTree>
-    <p:extLst>
-      <p:ext uri="{BB962C8B-B14F-4D97-AF65-F5344CB8AC3E}">
-        <p14:creationId xmlns:p14="http://schemas.microsoft.com/office/powerpoint/2010/main" val="1416804387"/>
-      </p:ext>
-    </p:extLst>
   </p:cSld>
   <p:clrMapOvr>
     <a:masterClrMapping/>
@@ -3891,125 +3946,80 @@
       </p:grpSpPr>
       <p:sp>
         <p:nvSpPr>
-          <p:cNvPr id="2" name="Title 1"/>
-          <p:cNvSpPr>
-            <a:spLocks noGrp="1"/>
-          </p:cNvSpPr>
-          <p:nvPr>
-            <p:ph type="title"/>
-          </p:nvPr>
-        </p:nvSpPr>
-        <p:spPr/>
+          <p:cNvPr id="3" name="Content Placeholder 2"/>
+          <p:cNvSpPr>
+            <a:spLocks noGrp="1"/>
+          </p:cNvSpPr>
+          <p:nvPr>
+            <p:ph idx="1"/>
+          </p:nvPr>
+        </p:nvSpPr>
+        <p:spPr>
+          <a:xfrm>
+            <a:off x="457200" y="404664"/>
+            <a:ext cx="8229600" cy="5721499"/>
+          </a:xfrm>
+        </p:spPr>
         <p:txBody>
           <a:bodyPr>
             <a:normAutofit/>
           </a:bodyPr>
           <a:lstStyle/>
           <a:p>
-            <a:r>
-              <a:rPr lang="en-US" dirty="0"/>
-              <a:t>Differences </a:t>
-            </a:r>
-            <a:endParaRPr lang="en-IN" dirty="0"/>
-          </a:p>
-        </p:txBody>
-      </p:sp>
-      <p:sp>
-        <p:nvSpPr>
-          <p:cNvPr id="3" name="Content Placeholder 2"/>
-          <p:cNvSpPr>
-            <a:spLocks noGrp="1"/>
-          </p:cNvSpPr>
-          <p:nvPr>
-            <p:ph idx="1"/>
-          </p:nvPr>
-        </p:nvSpPr>
+            <a:endParaRPr lang="en-US" sz="2800" dirty="0"/>
+          </a:p>
+          <a:p>
+            <a:r>
+              <a:rPr lang="en-IN" sz="2800" dirty="0"/>
+              <a:t>Unspiritual practice and elements  (II Cor.11:30) </a:t>
+            </a:r>
+            <a:endParaRPr lang="en-US" sz="2800" dirty="0"/>
+          </a:p>
+          <a:p>
+            <a:r>
+              <a:rPr lang="en-US" sz="2800" dirty="0"/>
+              <a:t>For this reason many are weak and sick among you , and many sleep</a:t>
+            </a:r>
+          </a:p>
+          <a:p>
+            <a:endParaRPr lang="en-US" sz="2800" dirty="0"/>
+          </a:p>
+        </p:txBody>
+      </p:sp>
+      <p:pic>
+        <p:nvPicPr>
+          <p:cNvPr id="4" name="Picture 3"/>
+          <p:cNvPicPr>
+            <a:picLocks noChangeAspect="1"/>
+          </p:cNvPicPr>
+          <p:nvPr/>
+        </p:nvPicPr>
+        <p:blipFill>
+          <a:blip r:embed="rId2">
+            <a:extLst>
+              <a:ext uri="{28A0092B-C50C-407E-A947-70E740481C1C}">
+                <a14:useLocalDpi xmlns:a14="http://schemas.microsoft.com/office/drawing/2010/main" val="0"/>
+              </a:ext>
+            </a:extLst>
+          </a:blip>
+          <a:stretch>
+            <a:fillRect/>
+          </a:stretch>
+        </p:blipFill>
         <p:spPr>
           <a:xfrm>
-            <a:off x="755576" y="1844824"/>
-            <a:ext cx="8229600" cy="4525963"/>
-          </a:xfrm>
-        </p:spPr>
-        <p:txBody>
-          <a:bodyPr/>
-          <a:lstStyle/>
-          <a:p>
-            <a:pPr marL="0" indent="0">
-              <a:buNone/>
-            </a:pPr>
-            <a:r>
-              <a:rPr lang="en-US" dirty="0"/>
-              <a:t>They differ in many aspects, </a:t>
-            </a:r>
-            <a:r>
-              <a:rPr lang="en-US" dirty="0" smtClean="0"/>
-              <a:t>Finally</a:t>
-            </a:r>
-          </a:p>
-          <a:p>
-            <a:r>
-              <a:rPr lang="en-US" dirty="0" smtClean="0"/>
-              <a:t>At </a:t>
-            </a:r>
-            <a:r>
-              <a:rPr lang="en-US" dirty="0"/>
-              <a:t>Mental level</a:t>
-            </a:r>
-          </a:p>
-          <a:p>
-            <a:r>
-              <a:rPr lang="en-US" dirty="0" smtClean="0"/>
-              <a:t>At </a:t>
-            </a:r>
-            <a:r>
-              <a:rPr lang="en-US" dirty="0"/>
-              <a:t>Physical level</a:t>
-            </a:r>
-          </a:p>
-          <a:p>
-            <a:r>
-              <a:rPr lang="en-US" dirty="0" smtClean="0"/>
-              <a:t>At </a:t>
-            </a:r>
-            <a:r>
-              <a:rPr lang="en-US" dirty="0"/>
-              <a:t>Spiritual </a:t>
-            </a:r>
-            <a:r>
-              <a:rPr lang="en-US" dirty="0" smtClean="0"/>
-              <a:t>level</a:t>
-            </a:r>
-          </a:p>
-          <a:p>
-            <a:pPr marL="0" indent="0">
-              <a:buNone/>
-            </a:pPr>
-            <a:endParaRPr lang="en-US" dirty="0"/>
-          </a:p>
-          <a:p>
-            <a:pPr marL="0" indent="0">
-              <a:buNone/>
-            </a:pPr>
-            <a:r>
-              <a:rPr lang="en-US" dirty="0"/>
-              <a:t>These three levels of differences will help as to </a:t>
-            </a:r>
-            <a:r>
-              <a:rPr lang="en-US" dirty="0" smtClean="0"/>
-              <a:t>deriver </a:t>
-            </a:r>
-            <a:r>
-              <a:rPr lang="en-US" dirty="0"/>
-              <a:t>the bride from the universal church</a:t>
-            </a:r>
-            <a:endParaRPr lang="en-IN" dirty="0"/>
-          </a:p>
-        </p:txBody>
-      </p:sp>
+            <a:off x="1475656" y="3212976"/>
+            <a:ext cx="5760640" cy="2808312"/>
+          </a:xfrm>
+          <a:prstGeom prst="rect">
+            <a:avLst/>
+          </a:prstGeom>
+        </p:spPr>
+      </p:pic>
     </p:spTree>
     <p:extLst>
       <p:ext uri="{BB962C8B-B14F-4D97-AF65-F5344CB8AC3E}">
-        <p14:creationId xmlns:p14="http://schemas.microsoft.com/office/powerpoint/2010/main" val="1520084667"/>
+        <p14:creationId xmlns:p14="http://schemas.microsoft.com/office/powerpoint/2010/main" val="1790248440"/>
       </p:ext>
     </p:extLst>
   </p:cSld>
@@ -4048,13 +4058,16 @@
         </p:nvSpPr>
         <p:spPr/>
         <p:txBody>
-          <a:bodyPr/>
-          <a:lstStyle/>
-          <a:p>
-            <a:r>
-              <a:rPr lang="en-IN" dirty="0"/>
-              <a:t>Mental Level</a:t>
-            </a:r>
+          <a:bodyPr>
+            <a:normAutofit fontScale="90000"/>
+          </a:bodyPr>
+          <a:lstStyle/>
+          <a:p>
+            <a:r>
+              <a:rPr lang="en-US" dirty="0"/>
+              <a:t>5.They were all together until mid night</a:t>
+            </a:r>
+            <a:endParaRPr lang="en-IN" dirty="0"/>
           </a:p>
         </p:txBody>
       </p:sp>
@@ -4068,22 +4081,57 @@
             <p:ph idx="1"/>
           </p:nvPr>
         </p:nvSpPr>
-        <p:spPr/>
-        <p:txBody>
-          <a:bodyPr/>
+        <p:spPr>
+          <a:xfrm>
+            <a:off x="457200" y="1600201"/>
+            <a:ext cx="8229600" cy="2548879"/>
+          </a:xfrm>
+        </p:spPr>
+        <p:txBody>
+          <a:bodyPr>
+            <a:normAutofit fontScale="70000" lnSpcReduction="20000"/>
+          </a:bodyPr>
           <a:lstStyle/>
           <a:p>
             <a:r>
               <a:rPr lang="en-US" dirty="0"/>
-              <a:t>They are mentally </a:t>
-            </a:r>
-            <a:r>
-              <a:rPr lang="en-US" dirty="0" smtClean="0"/>
-              <a:t>distinguished </a:t>
-            </a:r>
+              <a:t>They dressed together</a:t>
+            </a:r>
+          </a:p>
+          <a:p>
             <a:r>
               <a:rPr lang="en-US" dirty="0"/>
-              <a:t>by the lord as 'wise virgins' who are symbolic of the bride church and 'foolish virgins' who are symbol of the universal church</a:t>
+              <a:t>They decorated  together</a:t>
+            </a:r>
+          </a:p>
+          <a:p>
+            <a:r>
+              <a:rPr lang="en-US" dirty="0"/>
+              <a:t>They  departed together</a:t>
+            </a:r>
+          </a:p>
+          <a:p>
+            <a:r>
+              <a:rPr lang="en-US" dirty="0"/>
+              <a:t>They  dined together</a:t>
+            </a:r>
+          </a:p>
+          <a:p>
+            <a:r>
+              <a:rPr lang="en-US" dirty="0"/>
+              <a:t>They  dozed off together</a:t>
+            </a:r>
+          </a:p>
+          <a:p>
+            <a:r>
+              <a:rPr lang="en-US" dirty="0"/>
+              <a:t>They waited together</a:t>
+            </a:r>
+          </a:p>
+          <a:p>
+            <a:r>
+              <a:rPr lang="en-US" dirty="0"/>
+              <a:t>They woke up together</a:t>
             </a:r>
             <a:endParaRPr lang="en-IN" dirty="0"/>
           </a:p>
@@ -4111,8 +4159,8 @@
         </p:blipFill>
         <p:spPr>
           <a:xfrm>
-            <a:off x="2987824" y="3645024"/>
-            <a:ext cx="2871763" cy="2871763"/>
+            <a:off x="2195736" y="4174441"/>
+            <a:ext cx="4464496" cy="2500118"/>
           </a:xfrm>
           <a:prstGeom prst="rect">
             <a:avLst/>
@@ -4122,7 +4170,7 @@
     </p:spTree>
     <p:extLst>
       <p:ext uri="{BB962C8B-B14F-4D97-AF65-F5344CB8AC3E}">
-        <p14:creationId xmlns:p14="http://schemas.microsoft.com/office/powerpoint/2010/main" val="195866362"/>
+        <p14:creationId xmlns:p14="http://schemas.microsoft.com/office/powerpoint/2010/main" val="1416804387"/>
       </p:ext>
     </p:extLst>
   </p:cSld>
@@ -4161,131 +4209,78 @@
         </p:nvSpPr>
         <p:spPr/>
         <p:txBody>
+          <a:bodyPr>
+            <a:normAutofit/>
+          </a:bodyPr>
+          <a:lstStyle/>
+          <a:p>
+            <a:r>
+              <a:rPr lang="en-US" dirty="0"/>
+              <a:t>Differences </a:t>
+            </a:r>
+            <a:endParaRPr lang="en-IN" dirty="0"/>
+          </a:p>
+        </p:txBody>
+      </p:sp>
+      <p:sp>
+        <p:nvSpPr>
+          <p:cNvPr id="3" name="Content Placeholder 2"/>
+          <p:cNvSpPr>
+            <a:spLocks noGrp="1"/>
+          </p:cNvSpPr>
+          <p:nvPr>
+            <p:ph idx="1"/>
+          </p:nvPr>
+        </p:nvSpPr>
+        <p:spPr>
+          <a:xfrm>
+            <a:off x="755576" y="1844824"/>
+            <a:ext cx="8229600" cy="4525963"/>
+          </a:xfrm>
+        </p:spPr>
+        <p:txBody>
           <a:bodyPr/>
           <a:lstStyle/>
           <a:p>
-            <a:r>
-              <a:rPr lang="en-IN" dirty="0"/>
-              <a:t>Mental Level</a:t>
-            </a:r>
-          </a:p>
-        </p:txBody>
-      </p:sp>
-      <p:sp>
-        <p:nvSpPr>
-          <p:cNvPr id="3" name="Content Placeholder 2"/>
-          <p:cNvSpPr>
-            <a:spLocks noGrp="1"/>
-          </p:cNvSpPr>
-          <p:nvPr>
-            <p:ph idx="1"/>
-          </p:nvPr>
-        </p:nvSpPr>
-        <p:spPr/>
-        <p:txBody>
-          <a:bodyPr>
-            <a:normAutofit fontScale="85000" lnSpcReduction="20000"/>
-          </a:bodyPr>
-          <a:lstStyle/>
-          <a:p>
+            <a:pPr marL="0" indent="0">
+              <a:buNone/>
+            </a:pPr>
             <a:r>
               <a:rPr lang="en-US" dirty="0"/>
-              <a:t>The foolish virgins tried to depend on their partners rather than the </a:t>
-            </a:r>
-            <a:r>
-              <a:rPr lang="en-US" dirty="0" smtClean="0"/>
-              <a:t>grace </a:t>
-            </a:r>
+              <a:t>They differ in many aspects, Finally</a:t>
+            </a:r>
+          </a:p>
+          <a:p>
             <a:r>
               <a:rPr lang="en-US" dirty="0"/>
-              <a:t>of </a:t>
-            </a:r>
-            <a:r>
-              <a:rPr lang="en-US" dirty="0" smtClean="0"/>
-              <a:t>their </a:t>
-            </a:r>
+              <a:t>At Mental level</a:t>
+            </a:r>
+          </a:p>
+          <a:p>
             <a:r>
               <a:rPr lang="en-US" dirty="0"/>
-              <a:t>bridegroom as they took resource to the </a:t>
-            </a:r>
-            <a:r>
-              <a:rPr lang="en-US" dirty="0" smtClean="0"/>
-              <a:t>latter's </a:t>
-            </a:r>
+              <a:t>At Physical level</a:t>
+            </a:r>
+          </a:p>
+          <a:p>
             <a:r>
               <a:rPr lang="en-US" dirty="0"/>
-              <a:t>jar of oil.</a:t>
-            </a:r>
-          </a:p>
-          <a:p>
+              <a:t>At Spiritual level</a:t>
+            </a:r>
+          </a:p>
+          <a:p>
+            <a:pPr marL="0" indent="0">
+              <a:buNone/>
+            </a:pPr>
+            <a:endParaRPr lang="en-US" dirty="0"/>
+          </a:p>
+          <a:p>
+            <a:pPr marL="0" indent="0">
+              <a:buNone/>
+            </a:pPr>
             <a:r>
               <a:rPr lang="en-US" dirty="0"/>
-              <a:t> </a:t>
-            </a:r>
-            <a:r>
-              <a:rPr lang="en-US" dirty="0" smtClean="0"/>
-              <a:t>The </a:t>
-            </a:r>
-            <a:r>
-              <a:rPr lang="en-US" dirty="0"/>
-              <a:t>wise </a:t>
-            </a:r>
-            <a:r>
-              <a:rPr lang="en-US" dirty="0" smtClean="0"/>
-              <a:t>virgins </a:t>
-            </a:r>
-            <a:r>
-              <a:rPr lang="en-US" dirty="0"/>
-              <a:t>tried to satisfy their bridegroom rather than impressing their fellow virgins</a:t>
-            </a:r>
-          </a:p>
-          <a:p>
-            <a:r>
-              <a:rPr lang="en-US" dirty="0"/>
-              <a:t>  </a:t>
-            </a:r>
-            <a:r>
-              <a:rPr lang="en-US" dirty="0" smtClean="0"/>
-              <a:t>The </a:t>
-            </a:r>
-            <a:r>
-              <a:rPr lang="en-US" dirty="0"/>
-              <a:t>wise virgins proved their wisdom by showing the right path to the foolish virgins instead of falling prey to their pleasing please(which are the ...)   </a:t>
-            </a:r>
-            <a:r>
-              <a:rPr lang="en-US" dirty="0" smtClean="0"/>
-              <a:t>of </a:t>
-            </a:r>
-            <a:r>
-              <a:rPr lang="en-US" dirty="0"/>
-              <a:t>the </a:t>
-            </a:r>
-            <a:r>
-              <a:rPr lang="en-US" dirty="0" smtClean="0"/>
-              <a:t>devil.</a:t>
-            </a:r>
-            <a:endParaRPr lang="en-US" dirty="0"/>
-          </a:p>
-          <a:p>
-            <a:r>
-              <a:rPr lang="en-US" dirty="0"/>
-              <a:t>  </a:t>
-            </a:r>
-            <a:r>
-              <a:rPr lang="en-US" dirty="0" smtClean="0"/>
-              <a:t>The </a:t>
-            </a:r>
-            <a:r>
-              <a:rPr lang="en-US" dirty="0"/>
-              <a:t>foolish virgins were really as they not only ignored the importance of the oil jars but also </a:t>
-            </a:r>
-            <a:r>
-              <a:rPr lang="en-US" dirty="0" smtClean="0"/>
-              <a:t>inconsistence </a:t>
-            </a:r>
-            <a:r>
-              <a:rPr lang="en-US" dirty="0"/>
-              <a:t>of their presence in the hands of wise virgins</a:t>
+              <a:t>These three levels of differences will help as to deriver the bride from the universal church</a:t>
             </a:r>
             <a:endParaRPr lang="en-IN" dirty="0"/>
           </a:p>
@@ -4294,7 +4289,7 @@
     </p:spTree>
     <p:extLst>
       <p:ext uri="{BB962C8B-B14F-4D97-AF65-F5344CB8AC3E}">
-        <p14:creationId xmlns:p14="http://schemas.microsoft.com/office/powerpoint/2010/main" val="1474449225"/>
+        <p14:creationId xmlns:p14="http://schemas.microsoft.com/office/powerpoint/2010/main" val="1520084667"/>
       </p:ext>
     </p:extLst>
   </p:cSld>
@@ -4338,7 +4333,7 @@
           <a:p>
             <a:r>
               <a:rPr lang="en-IN" dirty="0"/>
-              <a:t>Physical Level</a:t>
+              <a:t>Mental Level</a:t>
             </a:r>
           </a:p>
         </p:txBody>
@@ -4353,29 +4348,14 @@
             <p:ph idx="1"/>
           </p:nvPr>
         </p:nvSpPr>
-        <p:spPr>
-          <a:xfrm>
-            <a:off x="438371" y="1340768"/>
-            <a:ext cx="8229600" cy="4525963"/>
-          </a:xfrm>
-        </p:spPr>
+        <p:spPr/>
         <p:txBody>
           <a:bodyPr/>
           <a:lstStyle/>
           <a:p>
             <a:r>
               <a:rPr lang="en-US" dirty="0"/>
-              <a:t>At Physical level, the wise virgins carried jars with them, and foolish virgins felt it as a burden</a:t>
-            </a:r>
-          </a:p>
-          <a:p>
-            <a:r>
-              <a:rPr lang="en-US" dirty="0" smtClean="0"/>
-              <a:t>The </a:t>
-            </a:r>
-            <a:r>
-              <a:rPr lang="en-US" dirty="0"/>
-              <a:t>wise group had extra oil with them and the foolish group satisfied with the oil that is in their lamps</a:t>
+              <a:t>They are mentally distinguished by the lord as 'wise virgins' who are symbolic of the bride church and 'foolish virgins' who are symbol of the universal church</a:t>
             </a:r>
             <a:endParaRPr lang="en-IN" dirty="0"/>
           </a:p>
@@ -4390,7 +4370,7 @@
           <p:nvPr/>
         </p:nvPicPr>
         <p:blipFill>
-          <a:blip r:embed="rId2" cstate="print">
+          <a:blip r:embed="rId2">
             <a:extLst>
               <a:ext uri="{28A0092B-C50C-407E-A947-70E740481C1C}">
                 <a14:useLocalDpi xmlns:a14="http://schemas.microsoft.com/office/drawing/2010/main" val="0"/>
@@ -4403,8 +4383,8 @@
         </p:blipFill>
         <p:spPr>
           <a:xfrm>
-            <a:off x="1403648" y="4509120"/>
-            <a:ext cx="5453053" cy="2160240"/>
+            <a:off x="2987824" y="3645024"/>
+            <a:ext cx="2871763" cy="2871763"/>
           </a:xfrm>
           <a:prstGeom prst="rect">
             <a:avLst/>
@@ -4414,7 +4394,7 @@
     </p:spTree>
     <p:extLst>
       <p:ext uri="{BB962C8B-B14F-4D97-AF65-F5344CB8AC3E}">
-        <p14:creationId xmlns:p14="http://schemas.microsoft.com/office/powerpoint/2010/main" val="1971693661"/>
+        <p14:creationId xmlns:p14="http://schemas.microsoft.com/office/powerpoint/2010/main" val="195866362"/>
       </p:ext>
     </p:extLst>
   </p:cSld>
@@ -4458,7 +4438,7 @@
           <a:p>
             <a:r>
               <a:rPr lang="en-IN" dirty="0"/>
-              <a:t>Spiritual level</a:t>
+              <a:t>Mental Level</a:t>
             </a:r>
           </a:p>
         </p:txBody>
@@ -4473,46 +4453,48 @@
             <p:ph idx="1"/>
           </p:nvPr>
         </p:nvSpPr>
-        <p:spPr>
-          <a:xfrm>
-            <a:off x="323528" y="1396895"/>
-            <a:ext cx="8229600" cy="2392145"/>
-          </a:xfrm>
-        </p:spPr>
+        <p:spPr/>
         <p:txBody>
           <a:bodyPr>
-            <a:normAutofit fontScale="92500" lnSpcReduction="20000"/>
+            <a:normAutofit/>
           </a:bodyPr>
           <a:lstStyle/>
           <a:p>
             <a:r>
-              <a:rPr lang="en-US" dirty="0"/>
-              <a:t>At spiritual level, as the wise virgins heard the mid night cry of the  holy spirit, and they arose and trimmed their lamps.</a:t>
-            </a:r>
-          </a:p>
-          <a:p>
-            <a:r>
-              <a:rPr lang="en-US" dirty="0" smtClean="0"/>
-              <a:t>Although </a:t>
-            </a:r>
-            <a:r>
-              <a:rPr lang="en-US" dirty="0"/>
-              <a:t>the foolish virgins woke up, they couldn't keep their lamps, burning because they have no oil with them</a:t>
-            </a:r>
+              <a:rPr lang="en-US" sz="2800" dirty="0"/>
+              <a:t>The foolish virgins tried to depend on their partners rather than the grace of their bridegroom as they took resource to the latter's jar of oil.</a:t>
+            </a:r>
+          </a:p>
+          <a:p>
+            <a:r>
+              <a:rPr lang="en-US" sz="2800" dirty="0"/>
+              <a:t> The wise virgins tried to satisfy their bridegroom rather than impressing their fellow virgins</a:t>
+            </a:r>
+          </a:p>
+          <a:p>
+            <a:pPr marL="0" indent="0">
+              <a:buNone/>
+            </a:pPr>
             <a:endParaRPr lang="en-IN" dirty="0"/>
           </a:p>
         </p:txBody>
       </p:sp>
       <p:pic>
         <p:nvPicPr>
-          <p:cNvPr id="4" name="Picture 3"/>
+          <p:cNvPr id="5" name="Picture 4">
+            <a:extLst>
+              <a:ext uri="{FF2B5EF4-FFF2-40B4-BE49-F238E27FC236}">
+                <a16:creationId xmlns:a16="http://schemas.microsoft.com/office/drawing/2014/main" id="{4D50EF2F-3FD3-47DD-A65B-AD6D5AF3A695}"/>
+              </a:ext>
+            </a:extLst>
+          </p:cNvPr>
           <p:cNvPicPr>
             <a:picLocks noChangeAspect="1"/>
           </p:cNvPicPr>
           <p:nvPr/>
         </p:nvPicPr>
         <p:blipFill>
-          <a:blip r:embed="rId2" cstate="print">
+          <a:blip r:embed="rId2">
             <a:extLst>
               <a:ext uri="{28A0092B-C50C-407E-A947-70E740481C1C}">
                 <a14:useLocalDpi xmlns:a14="http://schemas.microsoft.com/office/drawing/2010/main" val="0"/>
@@ -4525,8 +4507,8 @@
         </p:blipFill>
         <p:spPr>
           <a:xfrm>
-            <a:off x="2483768" y="3933056"/>
-            <a:ext cx="4032448" cy="2821348"/>
+            <a:off x="971600" y="3906784"/>
+            <a:ext cx="6840760" cy="2676128"/>
           </a:xfrm>
           <a:prstGeom prst="rect">
             <a:avLst/>
@@ -4536,7 +4518,7 @@
     </p:spTree>
     <p:extLst>
       <p:ext uri="{BB962C8B-B14F-4D97-AF65-F5344CB8AC3E}">
-        <p14:creationId xmlns:p14="http://schemas.microsoft.com/office/powerpoint/2010/main" val="1741611533"/>
+        <p14:creationId xmlns:p14="http://schemas.microsoft.com/office/powerpoint/2010/main" val="1474449225"/>
       </p:ext>
     </p:extLst>
   </p:cSld>
@@ -4565,29 +4547,13 @@
       </p:grpSpPr>
       <p:sp>
         <p:nvSpPr>
-          <p:cNvPr id="2" name="Title 1"/>
-          <p:cNvSpPr>
-            <a:spLocks noGrp="1"/>
-          </p:cNvSpPr>
-          <p:nvPr>
-            <p:ph type="title"/>
-          </p:nvPr>
-        </p:nvSpPr>
-        <p:spPr/>
-        <p:txBody>
-          <a:bodyPr/>
-          <a:lstStyle/>
-          <a:p>
-            <a:r>
-              <a:rPr lang="en-IN" dirty="0"/>
-              <a:t>Implications:</a:t>
-            </a:r>
-          </a:p>
-        </p:txBody>
-      </p:sp>
-      <p:sp>
-        <p:nvSpPr>
-          <p:cNvPr id="3" name="Content Placeholder 2"/>
+          <p:cNvPr id="3" name="Content Placeholder 2">
+            <a:extLst>
+              <a:ext uri="{FF2B5EF4-FFF2-40B4-BE49-F238E27FC236}">
+                <a16:creationId xmlns:a16="http://schemas.microsoft.com/office/drawing/2014/main" id="{F7C216EA-B4A6-43DD-B469-01F1660F70F5}"/>
+              </a:ext>
+            </a:extLst>
+          </p:cNvPr>
           <p:cNvSpPr>
             <a:spLocks noGrp="1"/>
           </p:cNvSpPr>
@@ -4595,79 +4561,75 @@
             <p:ph idx="1"/>
           </p:nvPr>
         </p:nvSpPr>
-        <p:spPr/>
+        <p:spPr>
+          <a:xfrm>
+            <a:off x="457200" y="332656"/>
+            <a:ext cx="8229600" cy="5793507"/>
+          </a:xfrm>
+        </p:spPr>
         <p:txBody>
           <a:bodyPr>
-            <a:normAutofit lnSpcReduction="10000"/>
+            <a:normAutofit/>
           </a:bodyPr>
           <a:lstStyle/>
           <a:p>
-            <a:pPr marL="0" indent="0">
-              <a:buNone/>
-            </a:pPr>
-            <a:r>
-              <a:rPr lang="en-US" dirty="0"/>
-              <a:t>a)The oil jars or the oil vessels, the wise virgins carrying with themselves, oil represents the anointing of the Holy spirit</a:t>
-            </a:r>
-          </a:p>
-          <a:p>
-            <a:pPr marL="0" indent="0">
-              <a:buNone/>
-            </a:pPr>
-            <a:r>
-              <a:rPr lang="en-US" dirty="0" smtClean="0"/>
-              <a:t>b)Their </a:t>
-            </a:r>
-            <a:r>
-              <a:rPr lang="en-US" dirty="0"/>
-              <a:t>hidden love towards the bridegroom</a:t>
-            </a:r>
-          </a:p>
-          <a:p>
-            <a:pPr marL="0" indent="0">
-              <a:buNone/>
-            </a:pPr>
-            <a:r>
-              <a:rPr lang="en-US" dirty="0" smtClean="0"/>
-              <a:t>c)Their </a:t>
-            </a:r>
-            <a:r>
-              <a:rPr lang="en-US" dirty="0"/>
-              <a:t>secret preparation to meet the derived untold delay of the coming bridegroom</a:t>
-            </a:r>
-          </a:p>
-          <a:p>
-            <a:pPr marL="0" indent="0">
-              <a:buNone/>
-            </a:pPr>
-            <a:r>
-              <a:rPr lang="en-US" dirty="0" smtClean="0"/>
-              <a:t>d)Their </a:t>
-            </a:r>
-            <a:r>
-              <a:rPr lang="en-US" dirty="0"/>
-              <a:t>alacrity to open their jars immediately fill their lamps</a:t>
-            </a:r>
-            <a:r>
-              <a:rPr lang="en-US" dirty="0" smtClean="0"/>
-              <a:t>, so </a:t>
-            </a:r>
-            <a:r>
-              <a:rPr lang="en-US" dirty="0"/>
-              <a:t>they keep burning again, with full </a:t>
-            </a:r>
-            <a:r>
-              <a:rPr lang="en-US" dirty="0" smtClean="0"/>
-              <a:t>brilliance</a:t>
-            </a:r>
-            <a:endParaRPr lang="en-US" dirty="0"/>
-          </a:p>
-        </p:txBody>
-      </p:sp>
+            <a:r>
+              <a:rPr lang="en-US" sz="2800" dirty="0"/>
+              <a:t> The wise virgins proved their wisdom by showing the right path to the foolish virgins instead of falling prey to their pleasing please(which are the ...)   of the devil.</a:t>
+            </a:r>
+          </a:p>
+          <a:p>
+            <a:r>
+              <a:rPr lang="en-US" sz="2800" dirty="0"/>
+              <a:t>  The foolish virgins were really as they not only ignored the importance of the oil jars but also inconsistence of their presence in the hands of wise virgins</a:t>
+            </a:r>
+            <a:endParaRPr lang="en-IN" sz="2800" dirty="0"/>
+          </a:p>
+          <a:p>
+            <a:endParaRPr lang="en-US" sz="2800" dirty="0"/>
+          </a:p>
+        </p:txBody>
+      </p:sp>
+      <p:pic>
+        <p:nvPicPr>
+          <p:cNvPr id="5" name="Picture 4">
+            <a:extLst>
+              <a:ext uri="{FF2B5EF4-FFF2-40B4-BE49-F238E27FC236}">
+                <a16:creationId xmlns:a16="http://schemas.microsoft.com/office/drawing/2014/main" id="{E290845E-FD9F-4F2A-BD41-CA6AD6BEF76F}"/>
+              </a:ext>
+            </a:extLst>
+          </p:cNvPr>
+          <p:cNvPicPr>
+            <a:picLocks noChangeAspect="1"/>
+          </p:cNvPicPr>
+          <p:nvPr/>
+        </p:nvPicPr>
+        <p:blipFill>
+          <a:blip r:embed="rId2">
+            <a:extLst>
+              <a:ext uri="{28A0092B-C50C-407E-A947-70E740481C1C}">
+                <a14:useLocalDpi xmlns:a14="http://schemas.microsoft.com/office/drawing/2010/main" val="0"/>
+              </a:ext>
+            </a:extLst>
+          </a:blip>
+          <a:stretch>
+            <a:fillRect/>
+          </a:stretch>
+        </p:blipFill>
+        <p:spPr>
+          <a:xfrm>
+            <a:off x="2051720" y="3645024"/>
+            <a:ext cx="6084168" cy="3042084"/>
+          </a:xfrm>
+          <a:prstGeom prst="rect">
+            <a:avLst/>
+          </a:prstGeom>
+        </p:spPr>
+      </p:pic>
     </p:spTree>
     <p:extLst>
       <p:ext uri="{BB962C8B-B14F-4D97-AF65-F5344CB8AC3E}">
-        <p14:creationId xmlns:p14="http://schemas.microsoft.com/office/powerpoint/2010/main" val="1498120599"/>
+        <p14:creationId xmlns:p14="http://schemas.microsoft.com/office/powerpoint/2010/main" val="928175139"/>
       </p:ext>
     </p:extLst>
   </p:cSld>
@@ -4696,49 +4658,189 @@
       </p:grpSpPr>
       <p:sp>
         <p:nvSpPr>
-          <p:cNvPr id="3" name="Content Placeholder 2"/>
-          <p:cNvSpPr>
-            <a:spLocks noGrp="1"/>
-          </p:cNvSpPr>
+          <p:cNvPr id="5" name="Title 4"/>
+          <p:cNvSpPr>
+            <a:spLocks noGrp="1"/>
+          </p:cNvSpPr>
+          <p:nvPr>
+            <p:ph type="title"/>
+          </p:nvPr>
+        </p:nvSpPr>
+        <p:spPr/>
+        <p:txBody>
+          <a:bodyPr/>
+          <a:lstStyle/>
+          <a:p>
+            <a:pPr algn="l"/>
+            <a:r>
+              <a:rPr lang="en-US" b="1" dirty="0"/>
+              <a:t>The Parable of Ten Virgins</a:t>
+            </a:r>
+            <a:endParaRPr lang="en-IN" b="1" dirty="0"/>
+          </a:p>
+        </p:txBody>
+      </p:sp>
+      <p:pic>
+        <p:nvPicPr>
+          <p:cNvPr id="1026" name="Picture 2" descr="F:\gova\Personal\New folder\fivefoolishvirgins.jpg"/>
+          <p:cNvPicPr>
+            <a:picLocks noGrp="1" noChangeAspect="1" noChangeArrowheads="1"/>
+          </p:cNvPicPr>
           <p:nvPr>
             <p:ph idx="1"/>
           </p:nvPr>
-        </p:nvSpPr>
-        <p:spPr/>
-        <p:txBody>
-          <a:bodyPr/>
-          <a:lstStyle/>
-          <a:p>
-            <a:pPr marL="0" indent="0">
-              <a:buNone/>
+        </p:nvPicPr>
+        <p:blipFill>
+          <a:blip r:embed="rId2"/>
+          <a:srcRect/>
+          <a:stretch>
+            <a:fillRect/>
+          </a:stretch>
+        </p:blipFill>
+        <p:spPr bwMode="auto">
+          <a:xfrm>
+            <a:off x="214282" y="2857496"/>
+            <a:ext cx="4524380" cy="3220248"/>
+          </a:xfrm>
+          <a:prstGeom prst="rect">
+            <a:avLst/>
+          </a:prstGeom>
+          <a:noFill/>
+        </p:spPr>
+      </p:pic>
+      <p:sp>
+        <p:nvSpPr>
+          <p:cNvPr id="8" name="TextBox 7"/>
+          <p:cNvSpPr txBox="1"/>
+          <p:nvPr/>
+        </p:nvSpPr>
+        <p:spPr>
+          <a:xfrm>
+            <a:off x="285720" y="2500306"/>
+            <a:ext cx="4286280" cy="369332"/>
+          </a:xfrm>
+          <a:prstGeom prst="rect">
+            <a:avLst/>
+          </a:prstGeom>
+          <a:noFill/>
+        </p:spPr>
+        <p:txBody>
+          <a:bodyPr wrap="square" rtlCol="0">
+            <a:spAutoFit/>
+          </a:bodyPr>
+          <a:lstStyle/>
+          <a:p>
+            <a:pPr algn="ctr"/>
+            <a:r>
+              <a:rPr lang="en-US" b="1" dirty="0">
+                <a:latin typeface="Times New Roman" pitchFamily="18" charset="0"/>
+                <a:cs typeface="Times New Roman" pitchFamily="18" charset="0"/>
+              </a:rPr>
+              <a:t>Five Foolish Virgins</a:t>
+            </a:r>
+            <a:endParaRPr lang="en-IN" b="1" dirty="0">
+              <a:latin typeface="Times New Roman" pitchFamily="18" charset="0"/>
+              <a:cs typeface="Times New Roman" pitchFamily="18" charset="0"/>
+            </a:endParaRPr>
+          </a:p>
+        </p:txBody>
+      </p:sp>
+      <p:sp>
+        <p:nvSpPr>
+          <p:cNvPr id="9" name="TextBox 8"/>
+          <p:cNvSpPr txBox="1"/>
+          <p:nvPr/>
+        </p:nvSpPr>
+        <p:spPr>
+          <a:xfrm>
+            <a:off x="642910" y="1643050"/>
+            <a:ext cx="7929618" cy="830997"/>
+          </a:xfrm>
+          <a:prstGeom prst="rect">
+            <a:avLst/>
+          </a:prstGeom>
+          <a:noFill/>
+        </p:spPr>
+        <p:txBody>
+          <a:bodyPr wrap="square" rtlCol="0">
+            <a:spAutoFit/>
+          </a:bodyPr>
+          <a:lstStyle/>
+          <a:p>
+            <a:pPr>
+              <a:buFont typeface="Wingdings" pitchFamily="2" charset="2"/>
+              <a:buChar char="§"/>
             </a:pPr>
             <a:r>
-              <a:rPr lang="en-US" dirty="0" smtClean="0"/>
-              <a:t>Can there be foolish Virgins in Kingdom of                   Heaven?</a:t>
-            </a:r>
-          </a:p>
-          <a:p>
-            <a:pPr marL="0" indent="0">
-              <a:buNone/>
-            </a:pPr>
-            <a:endParaRPr lang="en-US" dirty="0"/>
-          </a:p>
-          <a:p>
-            <a:pPr marL="0" indent="0">
-              <a:buNone/>
-            </a:pPr>
-            <a:r>
-              <a:rPr lang="en-US" dirty="0" smtClean="0"/>
-              <a:t>                                YES                </a:t>
-            </a:r>
-            <a:endParaRPr lang="en-US" dirty="0"/>
+              <a:rPr lang="en-IN" sz="2400" dirty="0"/>
+              <a:t> The Parable that was told by Lord Jesus about the Kingdom of Heaven</a:t>
+            </a:r>
+          </a:p>
+        </p:txBody>
+      </p:sp>
+      <p:pic>
+        <p:nvPicPr>
+          <p:cNvPr id="1027" name="Picture 3" descr="F:\gova\Personal\New folder\fivewisevirgins.jpg"/>
+          <p:cNvPicPr>
+            <a:picLocks noChangeAspect="1" noChangeArrowheads="1"/>
+          </p:cNvPicPr>
+          <p:nvPr/>
+        </p:nvPicPr>
+        <p:blipFill>
+          <a:blip r:embed="rId3"/>
+          <a:srcRect/>
+          <a:stretch>
+            <a:fillRect/>
+          </a:stretch>
+        </p:blipFill>
+        <p:spPr bwMode="auto">
+          <a:xfrm>
+            <a:off x="4929190" y="2857496"/>
+            <a:ext cx="4000528" cy="3214710"/>
+          </a:xfrm>
+          <a:prstGeom prst="rect">
+            <a:avLst/>
+          </a:prstGeom>
+          <a:noFill/>
+        </p:spPr>
+      </p:pic>
+      <p:sp>
+        <p:nvSpPr>
+          <p:cNvPr id="11" name="TextBox 10"/>
+          <p:cNvSpPr txBox="1"/>
+          <p:nvPr/>
+        </p:nvSpPr>
+        <p:spPr>
+          <a:xfrm>
+            <a:off x="5000628" y="2500306"/>
+            <a:ext cx="3500462" cy="369332"/>
+          </a:xfrm>
+          <a:prstGeom prst="rect">
+            <a:avLst/>
+          </a:prstGeom>
+          <a:noFill/>
+        </p:spPr>
+        <p:txBody>
+          <a:bodyPr wrap="square" rtlCol="0">
+            <a:spAutoFit/>
+          </a:bodyPr>
+          <a:lstStyle/>
+          <a:p>
+            <a:pPr algn="ctr"/>
+            <a:r>
+              <a:rPr lang="en-IN" b="1" dirty="0">
+                <a:latin typeface="Times New Roman" pitchFamily="18" charset="0"/>
+                <a:cs typeface="Times New Roman" pitchFamily="18" charset="0"/>
+              </a:rPr>
+              <a:t>Five Wise Virgins</a:t>
+            </a:r>
           </a:p>
         </p:txBody>
       </p:sp>
     </p:spTree>
     <p:extLst>
       <p:ext uri="{BB962C8B-B14F-4D97-AF65-F5344CB8AC3E}">
-        <p14:creationId xmlns:p14="http://schemas.microsoft.com/office/powerpoint/2010/main" val="1701795219"/>
+        <p14:creationId xmlns:p14="http://schemas.microsoft.com/office/powerpoint/2010/main" val="4161193866"/>
       </p:ext>
     </p:extLst>
   </p:cSld>
@@ -4767,6 +4869,28 @@
       </p:grpSpPr>
       <p:sp>
         <p:nvSpPr>
+          <p:cNvPr id="2" name="Title 1"/>
+          <p:cNvSpPr>
+            <a:spLocks noGrp="1"/>
+          </p:cNvSpPr>
+          <p:nvPr>
+            <p:ph type="title"/>
+          </p:nvPr>
+        </p:nvSpPr>
+        <p:spPr/>
+        <p:txBody>
+          <a:bodyPr/>
+          <a:lstStyle/>
+          <a:p>
+            <a:r>
+              <a:rPr lang="en-IN" dirty="0"/>
+              <a:t>Physical Level</a:t>
+            </a:r>
+          </a:p>
+        </p:txBody>
+      </p:sp>
+      <p:sp>
+        <p:nvSpPr>
           <p:cNvPr id="3" name="Content Placeholder 2"/>
           <p:cNvSpPr>
             <a:spLocks noGrp="1"/>
@@ -4777,51 +4901,62 @@
         </p:nvSpPr>
         <p:spPr>
           <a:xfrm>
-            <a:off x="251520" y="764704"/>
-            <a:ext cx="8568952" cy="4525963"/>
+            <a:off x="438371" y="1340768"/>
+            <a:ext cx="8229600" cy="4525963"/>
           </a:xfrm>
         </p:spPr>
         <p:txBody>
           <a:bodyPr/>
           <a:lstStyle/>
           <a:p>
-            <a:pPr marL="0" indent="0">
-              <a:buNone/>
-            </a:pPr>
             <a:r>
               <a:rPr lang="en-US" dirty="0"/>
-              <a:t>e)The foolish virgins were satisfied with what they have in their lamps as they were burning when they set out from their places, They are happy with their Salvation. They couldn't think beyond salvation i.e.. The Rapture </a:t>
-            </a:r>
-            <a:r>
-              <a:rPr lang="en-US" dirty="0" smtClean="0"/>
-              <a:t>Perfection</a:t>
-            </a:r>
-          </a:p>
-          <a:p>
-            <a:pPr marL="0" indent="0">
-              <a:buNone/>
-            </a:pPr>
-            <a:endParaRPr lang="en-US" dirty="0"/>
-          </a:p>
-          <a:p>
-            <a:pPr marL="0" indent="0">
-              <a:buNone/>
-            </a:pPr>
+              <a:t>At Physical level, the wise virgins carried jars with them, and foolish virgins felt it as a burden</a:t>
+            </a:r>
+          </a:p>
+          <a:p>
             <a:r>
               <a:rPr lang="en-US" dirty="0"/>
-              <a:t>f)After  the midnight warning, they decided to go out, rather than to gain to meet the groom</a:t>
+              <a:t>The wise group had extra oil with them and the foolish group satisfied with the oil that is in their lamps</a:t>
             </a:r>
             <a:endParaRPr lang="en-IN" dirty="0"/>
           </a:p>
-          <a:p>
-            <a:endParaRPr lang="en-IN" dirty="0"/>
-          </a:p>
-        </p:txBody>
-      </p:sp>
+        </p:txBody>
+      </p:sp>
+      <p:pic>
+        <p:nvPicPr>
+          <p:cNvPr id="4" name="Picture 3"/>
+          <p:cNvPicPr>
+            <a:picLocks noChangeAspect="1"/>
+          </p:cNvPicPr>
+          <p:nvPr/>
+        </p:nvPicPr>
+        <p:blipFill>
+          <a:blip r:embed="rId2" cstate="print">
+            <a:extLst>
+              <a:ext uri="{28A0092B-C50C-407E-A947-70E740481C1C}">
+                <a14:useLocalDpi xmlns:a14="http://schemas.microsoft.com/office/drawing/2010/main" val="0"/>
+              </a:ext>
+            </a:extLst>
+          </a:blip>
+          <a:stretch>
+            <a:fillRect/>
+          </a:stretch>
+        </p:blipFill>
+        <p:spPr>
+          <a:xfrm>
+            <a:off x="1403648" y="4509120"/>
+            <a:ext cx="5453053" cy="2160240"/>
+          </a:xfrm>
+          <a:prstGeom prst="rect">
+            <a:avLst/>
+          </a:prstGeom>
+        </p:spPr>
+      </p:pic>
     </p:spTree>
     <p:extLst>
       <p:ext uri="{BB962C8B-B14F-4D97-AF65-F5344CB8AC3E}">
-        <p14:creationId xmlns:p14="http://schemas.microsoft.com/office/powerpoint/2010/main" val="4042037810"/>
+        <p14:creationId xmlns:p14="http://schemas.microsoft.com/office/powerpoint/2010/main" val="1971693661"/>
       </p:ext>
     </p:extLst>
   </p:cSld>
@@ -4858,24 +4993,458 @@
             <p:ph type="title"/>
           </p:nvPr>
         </p:nvSpPr>
+        <p:spPr/>
+        <p:txBody>
+          <a:bodyPr/>
+          <a:lstStyle/>
+          <a:p>
+            <a:r>
+              <a:rPr lang="en-IN" dirty="0"/>
+              <a:t>Spiritual level</a:t>
+            </a:r>
+          </a:p>
+        </p:txBody>
+      </p:sp>
+      <p:sp>
+        <p:nvSpPr>
+          <p:cNvPr id="3" name="Content Placeholder 2"/>
+          <p:cNvSpPr>
+            <a:spLocks noGrp="1"/>
+          </p:cNvSpPr>
+          <p:nvPr>
+            <p:ph idx="1"/>
+          </p:nvPr>
+        </p:nvSpPr>
         <p:spPr>
           <a:xfrm>
-            <a:off x="323528" y="274638"/>
-            <a:ext cx="8363272" cy="1642194"/>
-          </a:xfrm>
-        </p:spPr>
+            <a:off x="323528" y="1396895"/>
+            <a:ext cx="8229600" cy="2392145"/>
+          </a:xfrm>
+        </p:spPr>
+        <p:txBody>
+          <a:bodyPr>
+            <a:normAutofit fontScale="92500" lnSpcReduction="20000"/>
+          </a:bodyPr>
+          <a:lstStyle/>
+          <a:p>
+            <a:r>
+              <a:rPr lang="en-US" dirty="0"/>
+              <a:t>At spiritual level, as the wise virgins heard the mid night cry of the  holy spirit, and they arose and trimmed their lamps.</a:t>
+            </a:r>
+          </a:p>
+          <a:p>
+            <a:r>
+              <a:rPr lang="en-US" dirty="0"/>
+              <a:t>Although the foolish virgins woke up, they couldn't keep their lamps, burning because they have no oil with them</a:t>
+            </a:r>
+            <a:endParaRPr lang="en-IN" dirty="0"/>
+          </a:p>
+        </p:txBody>
+      </p:sp>
+      <p:pic>
+        <p:nvPicPr>
+          <p:cNvPr id="4" name="Picture 3"/>
+          <p:cNvPicPr>
+            <a:picLocks noChangeAspect="1"/>
+          </p:cNvPicPr>
+          <p:nvPr/>
+        </p:nvPicPr>
+        <p:blipFill>
+          <a:blip r:embed="rId2" cstate="print">
+            <a:extLst>
+              <a:ext uri="{28A0092B-C50C-407E-A947-70E740481C1C}">
+                <a14:useLocalDpi xmlns:a14="http://schemas.microsoft.com/office/drawing/2010/main" val="0"/>
+              </a:ext>
+            </a:extLst>
+          </a:blip>
+          <a:stretch>
+            <a:fillRect/>
+          </a:stretch>
+        </p:blipFill>
+        <p:spPr>
+          <a:xfrm>
+            <a:off x="2483768" y="3933056"/>
+            <a:ext cx="4032448" cy="2821348"/>
+          </a:xfrm>
+          <a:prstGeom prst="rect">
+            <a:avLst/>
+          </a:prstGeom>
+        </p:spPr>
+      </p:pic>
+    </p:spTree>
+    <p:extLst>
+      <p:ext uri="{BB962C8B-B14F-4D97-AF65-F5344CB8AC3E}">
+        <p14:creationId xmlns:p14="http://schemas.microsoft.com/office/powerpoint/2010/main" val="1741611533"/>
+      </p:ext>
+    </p:extLst>
+  </p:cSld>
+  <p:clrMapOvr>
+    <a:masterClrMapping/>
+  </p:clrMapOvr>
+</p:sld>
+</file>
+
+<file path=ppt/slides/slide22.xml><?xml version="1.0" encoding="utf-8"?>
+<p:sld xmlns:a="http://schemas.openxmlformats.org/drawingml/2006/main" xmlns:r="http://schemas.openxmlformats.org/officeDocument/2006/relationships" xmlns:p="http://schemas.openxmlformats.org/presentationml/2006/main">
+  <p:cSld>
+    <p:spTree>
+      <p:nvGrpSpPr>
+        <p:cNvPr id="1" name=""/>
+        <p:cNvGrpSpPr/>
+        <p:nvPr/>
+      </p:nvGrpSpPr>
+      <p:grpSpPr>
+        <a:xfrm>
+          <a:off x="0" y="0"/>
+          <a:ext cx="0" cy="0"/>
+          <a:chOff x="0" y="0"/>
+          <a:chExt cx="0" cy="0"/>
+        </a:xfrm>
+      </p:grpSpPr>
+      <p:sp>
+        <p:nvSpPr>
+          <p:cNvPr id="2" name="Title 1"/>
+          <p:cNvSpPr>
+            <a:spLocks noGrp="1"/>
+          </p:cNvSpPr>
+          <p:nvPr>
+            <p:ph type="title"/>
+          </p:nvPr>
+        </p:nvSpPr>
+        <p:spPr/>
+        <p:txBody>
+          <a:bodyPr/>
+          <a:lstStyle/>
+          <a:p>
+            <a:r>
+              <a:rPr lang="en-IN" dirty="0"/>
+              <a:t>Implications:</a:t>
+            </a:r>
+          </a:p>
+        </p:txBody>
+      </p:sp>
+      <p:sp>
+        <p:nvSpPr>
+          <p:cNvPr id="3" name="Content Placeholder 2"/>
+          <p:cNvSpPr>
+            <a:spLocks noGrp="1"/>
+          </p:cNvSpPr>
+          <p:nvPr>
+            <p:ph idx="1"/>
+          </p:nvPr>
+        </p:nvSpPr>
+        <p:spPr/>
         <p:txBody>
           <a:bodyPr>
             <a:normAutofit/>
           </a:bodyPr>
           <a:lstStyle/>
           <a:p>
+            <a:pPr marL="0" indent="0">
+              <a:buNone/>
+            </a:pPr>
+            <a:r>
+              <a:rPr lang="en-US" dirty="0"/>
+              <a:t>a)The oil jars or the oil vessels, the wise virgins carrying with themselves, oil represents the anointing of the Holy spirit</a:t>
+            </a:r>
+          </a:p>
+          <a:p>
+            <a:pPr marL="0" indent="0">
+              <a:buNone/>
+            </a:pPr>
+            <a:r>
+              <a:rPr lang="en-US" dirty="0"/>
+              <a:t>b)Their hidden love towards the bridegroom</a:t>
+            </a:r>
+          </a:p>
+        </p:txBody>
+      </p:sp>
+      <p:pic>
+        <p:nvPicPr>
+          <p:cNvPr id="5" name="Picture 4">
+            <a:extLst>
+              <a:ext uri="{FF2B5EF4-FFF2-40B4-BE49-F238E27FC236}">
+                <a16:creationId xmlns:a16="http://schemas.microsoft.com/office/drawing/2014/main" id="{E621EF27-5C3E-485B-9041-0A9BAEC931FD}"/>
+              </a:ext>
+            </a:extLst>
+          </p:cNvPr>
+          <p:cNvPicPr>
+            <a:picLocks noChangeAspect="1"/>
+          </p:cNvPicPr>
+          <p:nvPr/>
+        </p:nvPicPr>
+        <p:blipFill>
+          <a:blip r:embed="rId2" cstate="print">
+            <a:extLst>
+              <a:ext uri="{28A0092B-C50C-407E-A947-70E740481C1C}">
+                <a14:useLocalDpi xmlns:a14="http://schemas.microsoft.com/office/drawing/2010/main" val="0"/>
+              </a:ext>
+            </a:extLst>
+          </a:blip>
+          <a:stretch>
+            <a:fillRect/>
+          </a:stretch>
+        </p:blipFill>
+        <p:spPr>
+          <a:xfrm>
+            <a:off x="1619672" y="3890865"/>
+            <a:ext cx="5112568" cy="2445544"/>
+          </a:xfrm>
+          <a:prstGeom prst="rect">
+            <a:avLst/>
+          </a:prstGeom>
+        </p:spPr>
+      </p:pic>
+    </p:spTree>
+    <p:extLst>
+      <p:ext uri="{BB962C8B-B14F-4D97-AF65-F5344CB8AC3E}">
+        <p14:creationId xmlns:p14="http://schemas.microsoft.com/office/powerpoint/2010/main" val="1498120599"/>
+      </p:ext>
+    </p:extLst>
+  </p:cSld>
+  <p:clrMapOvr>
+    <a:masterClrMapping/>
+  </p:clrMapOvr>
+</p:sld>
+</file>
+
+<file path=ppt/slides/slide23.xml><?xml version="1.0" encoding="utf-8"?>
+<p:sld xmlns:a="http://schemas.openxmlformats.org/drawingml/2006/main" xmlns:r="http://schemas.openxmlformats.org/officeDocument/2006/relationships" xmlns:p="http://schemas.openxmlformats.org/presentationml/2006/main">
+  <p:cSld>
+    <p:spTree>
+      <p:nvGrpSpPr>
+        <p:cNvPr id="1" name=""/>
+        <p:cNvGrpSpPr/>
+        <p:nvPr/>
+      </p:nvGrpSpPr>
+      <p:grpSpPr>
+        <a:xfrm>
+          <a:off x="0" y="0"/>
+          <a:ext cx="0" cy="0"/>
+          <a:chOff x="0" y="0"/>
+          <a:chExt cx="0" cy="0"/>
+        </a:xfrm>
+      </p:grpSpPr>
+      <p:sp>
+        <p:nvSpPr>
+          <p:cNvPr id="3" name="Content Placeholder 2">
+            <a:extLst>
+              <a:ext uri="{FF2B5EF4-FFF2-40B4-BE49-F238E27FC236}">
+                <a16:creationId xmlns:a16="http://schemas.microsoft.com/office/drawing/2014/main" id="{694BCB70-E2BF-4C38-BBE7-66A2BCF02E49}"/>
+              </a:ext>
+            </a:extLst>
+          </p:cNvPr>
+          <p:cNvSpPr>
+            <a:spLocks noGrp="1"/>
+          </p:cNvSpPr>
+          <p:nvPr>
+            <p:ph idx="1"/>
+          </p:nvPr>
+        </p:nvSpPr>
+        <p:spPr>
+          <a:xfrm>
+            <a:off x="457200" y="332656"/>
+            <a:ext cx="8229600" cy="5793507"/>
+          </a:xfrm>
+        </p:spPr>
+        <p:txBody>
+          <a:bodyPr/>
+          <a:lstStyle/>
+          <a:p>
+            <a:pPr marL="0" indent="0">
+              <a:buNone/>
+            </a:pPr>
+            <a:r>
+              <a:rPr lang="en-US" dirty="0"/>
+              <a:t>c)Their secret preparation to meet the derived untold delay of the coming bridegroom</a:t>
+            </a:r>
+          </a:p>
+          <a:p>
+            <a:pPr marL="0" indent="0">
+              <a:buNone/>
+            </a:pPr>
+            <a:r>
+              <a:rPr lang="en-US" dirty="0"/>
+              <a:t>d)Their alacrity to open their jars immediately fill their lamps, so they keep burning again, with full brilliance</a:t>
+            </a:r>
+          </a:p>
+          <a:p>
+            <a:endParaRPr lang="en-US" dirty="0"/>
+          </a:p>
+        </p:txBody>
+      </p:sp>
+      <p:pic>
+        <p:nvPicPr>
+          <p:cNvPr id="5" name="Picture 4">
+            <a:extLst>
+              <a:ext uri="{FF2B5EF4-FFF2-40B4-BE49-F238E27FC236}">
+                <a16:creationId xmlns:a16="http://schemas.microsoft.com/office/drawing/2014/main" id="{01A904BF-DC43-4648-9EC2-8C9CA2A7EF8F}"/>
+              </a:ext>
+            </a:extLst>
+          </p:cNvPr>
+          <p:cNvPicPr>
+            <a:picLocks noChangeAspect="1"/>
+          </p:cNvPicPr>
+          <p:nvPr/>
+        </p:nvPicPr>
+        <p:blipFill>
+          <a:blip r:embed="rId2">
+            <a:extLst>
+              <a:ext uri="{28A0092B-C50C-407E-A947-70E740481C1C}">
+                <a14:useLocalDpi xmlns:a14="http://schemas.microsoft.com/office/drawing/2010/main" val="0"/>
+              </a:ext>
+            </a:extLst>
+          </a:blip>
+          <a:stretch>
+            <a:fillRect/>
+          </a:stretch>
+        </p:blipFill>
+        <p:spPr>
+          <a:xfrm>
+            <a:off x="1907704" y="3429000"/>
+            <a:ext cx="4104456" cy="2592288"/>
+          </a:xfrm>
+          <a:prstGeom prst="rect">
+            <a:avLst/>
+          </a:prstGeom>
+        </p:spPr>
+      </p:pic>
+    </p:spTree>
+    <p:extLst>
+      <p:ext uri="{BB962C8B-B14F-4D97-AF65-F5344CB8AC3E}">
+        <p14:creationId xmlns:p14="http://schemas.microsoft.com/office/powerpoint/2010/main" val="1236845857"/>
+      </p:ext>
+    </p:extLst>
+  </p:cSld>
+  <p:clrMapOvr>
+    <a:masterClrMapping/>
+  </p:clrMapOvr>
+</p:sld>
+</file>
+
+<file path=ppt/slides/slide24.xml><?xml version="1.0" encoding="utf-8"?>
+<p:sld xmlns:a="http://schemas.openxmlformats.org/drawingml/2006/main" xmlns:r="http://schemas.openxmlformats.org/officeDocument/2006/relationships" xmlns:p="http://schemas.openxmlformats.org/presentationml/2006/main">
+  <p:cSld>
+    <p:spTree>
+      <p:nvGrpSpPr>
+        <p:cNvPr id="1" name=""/>
+        <p:cNvGrpSpPr/>
+        <p:nvPr/>
+      </p:nvGrpSpPr>
+      <p:grpSpPr>
+        <a:xfrm>
+          <a:off x="0" y="0"/>
+          <a:ext cx="0" cy="0"/>
+          <a:chOff x="0" y="0"/>
+          <a:chExt cx="0" cy="0"/>
+        </a:xfrm>
+      </p:grpSpPr>
+      <p:sp>
+        <p:nvSpPr>
+          <p:cNvPr id="3" name="Content Placeholder 2"/>
+          <p:cNvSpPr>
+            <a:spLocks noGrp="1"/>
+          </p:cNvSpPr>
+          <p:nvPr>
+            <p:ph idx="1"/>
+          </p:nvPr>
+        </p:nvSpPr>
+        <p:spPr>
+          <a:xfrm>
+            <a:off x="251520" y="764704"/>
+            <a:ext cx="8568952" cy="4525963"/>
+          </a:xfrm>
+        </p:spPr>
+        <p:txBody>
+          <a:bodyPr/>
+          <a:lstStyle/>
+          <a:p>
+            <a:pPr marL="0" indent="0">
+              <a:buNone/>
+            </a:pPr>
+            <a:r>
+              <a:rPr lang="en-US" dirty="0"/>
+              <a:t>e)The foolish virgins were satisfied with what they have in their lamps as they were burning when they set out from their places, They are happy with their Salvation. They couldn't think beyond salvation i.e.. The Rapture Perfection</a:t>
+            </a:r>
+          </a:p>
+          <a:p>
+            <a:pPr marL="0" indent="0">
+              <a:buNone/>
+            </a:pPr>
+            <a:endParaRPr lang="en-US" dirty="0"/>
+          </a:p>
+          <a:p>
+            <a:pPr marL="0" indent="0">
+              <a:buNone/>
+            </a:pPr>
+            <a:r>
+              <a:rPr lang="en-US" dirty="0"/>
+              <a:t>f)After  the midnight warning, they decided to go out, rather than to gain to meet the groom</a:t>
+            </a:r>
+            <a:endParaRPr lang="en-IN" dirty="0"/>
+          </a:p>
+          <a:p>
+            <a:endParaRPr lang="en-IN" dirty="0"/>
+          </a:p>
+        </p:txBody>
+      </p:sp>
+    </p:spTree>
+    <p:extLst>
+      <p:ext uri="{BB962C8B-B14F-4D97-AF65-F5344CB8AC3E}">
+        <p14:creationId xmlns:p14="http://schemas.microsoft.com/office/powerpoint/2010/main" val="4042037810"/>
+      </p:ext>
+    </p:extLst>
+  </p:cSld>
+  <p:clrMapOvr>
+    <a:masterClrMapping/>
+  </p:clrMapOvr>
+</p:sld>
+</file>
+
+<file path=ppt/slides/slide25.xml><?xml version="1.0" encoding="utf-8"?>
+<p:sld xmlns:a="http://schemas.openxmlformats.org/drawingml/2006/main" xmlns:r="http://schemas.openxmlformats.org/officeDocument/2006/relationships" xmlns:p="http://schemas.openxmlformats.org/presentationml/2006/main">
+  <p:cSld>
+    <p:spTree>
+      <p:nvGrpSpPr>
+        <p:cNvPr id="1" name=""/>
+        <p:cNvGrpSpPr/>
+        <p:nvPr/>
+      </p:nvGrpSpPr>
+      <p:grpSpPr>
+        <a:xfrm>
+          <a:off x="0" y="0"/>
+          <a:ext cx="0" cy="0"/>
+          <a:chOff x="0" y="0"/>
+          <a:chExt cx="0" cy="0"/>
+        </a:xfrm>
+      </p:grpSpPr>
+      <p:sp>
+        <p:nvSpPr>
+          <p:cNvPr id="2" name="Title 1"/>
+          <p:cNvSpPr>
+            <a:spLocks noGrp="1"/>
+          </p:cNvSpPr>
+          <p:nvPr>
+            <p:ph type="title"/>
+          </p:nvPr>
+        </p:nvSpPr>
+        <p:spPr>
+          <a:xfrm>
+            <a:off x="323528" y="274638"/>
+            <a:ext cx="8363272" cy="1642194"/>
+          </a:xfrm>
+        </p:spPr>
+        <p:txBody>
+          <a:bodyPr>
+            <a:normAutofit/>
+          </a:bodyPr>
+          <a:lstStyle/>
+          <a:p>
             <a:pPr algn="l"/>
             <a:r>
-              <a:rPr lang="en-US" sz="2400" dirty="0" smtClean="0"/>
+              <a:rPr lang="en-US" sz="2400" dirty="0"/>
               <a:t>Thus the bride is going to be raptured and the nominal believers or the believing who cannot prepare them as the Bride ,are going to be left behind</a:t>
             </a:r>
-            <a:endParaRPr lang="en-US" sz="2400" dirty="0"/>
           </a:p>
         </p:txBody>
       </p:sp>
@@ -4898,10 +5467,9 @@
               <a:buNone/>
             </a:pPr>
             <a:r>
-              <a:rPr lang="en-US" dirty="0" smtClean="0"/>
+              <a:rPr lang="en-US" dirty="0"/>
               <a:t> </a:t>
             </a:r>
-            <a:endParaRPr lang="en-US" dirty="0"/>
           </a:p>
         </p:txBody>
       </p:sp>
@@ -4965,111 +5533,52 @@
           <a:chExt cx="0" cy="0"/>
         </a:xfrm>
       </p:grpSpPr>
-      <p:pic>
-        <p:nvPicPr>
-          <p:cNvPr id="2050" name="Picture 2" descr="F:\gova\Personal\New folder\virgins1.jpg"/>
-          <p:cNvPicPr>
-            <a:picLocks noGrp="1" noChangeAspect="1" noChangeArrowheads="1"/>
-          </p:cNvPicPr>
+      <p:sp>
+        <p:nvSpPr>
+          <p:cNvPr id="3" name="Content Placeholder 2"/>
+          <p:cNvSpPr>
+            <a:spLocks noGrp="1"/>
+          </p:cNvSpPr>
           <p:nvPr>
             <p:ph idx="1"/>
           </p:nvPr>
-        </p:nvPicPr>
-        <p:blipFill>
-          <a:blip r:embed="rId2"/>
-          <a:srcRect/>
-          <a:stretch>
-            <a:fillRect/>
-          </a:stretch>
-        </p:blipFill>
-        <p:spPr bwMode="auto">
-          <a:xfrm>
-            <a:off x="500034" y="1991519"/>
-            <a:ext cx="8215370" cy="4366439"/>
-          </a:xfrm>
-          <a:prstGeom prst="rect">
-            <a:avLst/>
-          </a:prstGeom>
-          <a:noFill/>
-        </p:spPr>
-      </p:pic>
-      <p:sp>
-        <p:nvSpPr>
-          <p:cNvPr id="5" name="TextBox 4"/>
-          <p:cNvSpPr txBox="1"/>
-          <p:nvPr/>
-        </p:nvSpPr>
-        <p:spPr>
-          <a:xfrm>
-            <a:off x="357158" y="714356"/>
-            <a:ext cx="8143932" cy="461665"/>
-          </a:xfrm>
-          <a:prstGeom prst="rect">
-            <a:avLst/>
-          </a:prstGeom>
-          <a:noFill/>
-        </p:spPr>
-        <p:txBody>
-          <a:bodyPr wrap="square" rtlCol="0">
-            <a:spAutoFit/>
-          </a:bodyPr>
-          <a:lstStyle/>
-          <a:p>
-            <a:pPr>
-              <a:buFont typeface="Wingdings" pitchFamily="2" charset="2"/>
-              <a:buChar char="§"/>
+        </p:nvSpPr>
+        <p:spPr/>
+        <p:txBody>
+          <a:bodyPr/>
+          <a:lstStyle/>
+          <a:p>
+            <a:pPr marL="0" indent="0">
+              <a:buNone/>
             </a:pPr>
             <a:r>
-              <a:rPr lang="en-IN" sz="2400" dirty="0" smtClean="0">
-                <a:cs typeface="Times New Roman" pitchFamily="18" charset="0"/>
-              </a:rPr>
-              <a:t>Wise virgins representing the Bride church.</a:t>
-            </a:r>
-            <a:endParaRPr lang="en-IN" sz="2400" dirty="0">
-              <a:cs typeface="Times New Roman" pitchFamily="18" charset="0"/>
-            </a:endParaRPr>
-          </a:p>
-        </p:txBody>
-      </p:sp>
-      <p:sp>
-        <p:nvSpPr>
-          <p:cNvPr id="6" name="TextBox 5"/>
-          <p:cNvSpPr txBox="1"/>
-          <p:nvPr/>
-        </p:nvSpPr>
-        <p:spPr>
-          <a:xfrm>
-            <a:off x="357158" y="1202280"/>
-            <a:ext cx="8143932" cy="461665"/>
-          </a:xfrm>
-          <a:prstGeom prst="rect">
-            <a:avLst/>
-          </a:prstGeom>
-          <a:noFill/>
-        </p:spPr>
-        <p:txBody>
-          <a:bodyPr wrap="square" rtlCol="0">
-            <a:spAutoFit/>
-          </a:bodyPr>
-          <a:lstStyle/>
-          <a:p>
-            <a:pPr>
-              <a:buFont typeface="Wingdings" pitchFamily="2" charset="2"/>
-              <a:buChar char="§"/>
+              <a:rPr lang="en-US" dirty="0"/>
+              <a:t>Can there be foolish Virgins in Kingdom of                   Heaven?</a:t>
+            </a:r>
+          </a:p>
+          <a:p>
+            <a:pPr marL="0" indent="0">
+              <a:buNone/>
             </a:pPr>
-            <a:r>
-              <a:rPr lang="en-IN" sz="2400" dirty="0" smtClean="0">
-                <a:cs typeface="Times New Roman" pitchFamily="18" charset="0"/>
-              </a:rPr>
-              <a:t>Foolish virgins representing the Universal church.</a:t>
-            </a:r>
-            <a:endParaRPr lang="en-IN" sz="2400" dirty="0">
-              <a:cs typeface="Times New Roman" pitchFamily="18" charset="0"/>
-            </a:endParaRPr>
+            <a:endParaRPr lang="en-US" dirty="0"/>
+          </a:p>
+          <a:p>
+            <a:pPr marL="0" indent="0">
+              <a:buNone/>
+            </a:pPr>
+            <a:r>
+              <a:rPr lang="en-US" dirty="0"/>
+              <a:t>                                YES                </a:t>
+            </a:r>
           </a:p>
         </p:txBody>
       </p:sp>
     </p:spTree>
+    <p:extLst>
+      <p:ext uri="{BB962C8B-B14F-4D97-AF65-F5344CB8AC3E}">
+        <p14:creationId xmlns:p14="http://schemas.microsoft.com/office/powerpoint/2010/main" val="1701795219"/>
+      </p:ext>
+    </p:extLst>
   </p:cSld>
   <p:clrMapOvr>
     <a:masterClrMapping/>
@@ -5094,53 +5603,54 @@
           <a:chExt cx="0" cy="0"/>
         </a:xfrm>
       </p:grpSpPr>
-      <p:sp>
-        <p:nvSpPr>
-          <p:cNvPr id="2" name="Title 1"/>
-          <p:cNvSpPr>
-            <a:spLocks noGrp="1"/>
-          </p:cNvSpPr>
-          <p:nvPr>
-            <p:ph type="title"/>
-          </p:nvPr>
-        </p:nvSpPr>
-        <p:spPr/>
-        <p:txBody>
-          <a:bodyPr/>
-          <a:lstStyle/>
-          <a:p>
-            <a:r>
-              <a:rPr lang="en-US" b="1" dirty="0" smtClean="0">
-                <a:latin typeface="Times New Roman" pitchFamily="18" charset="0"/>
-                <a:cs typeface="Times New Roman" pitchFamily="18" charset="0"/>
-              </a:rPr>
-              <a:t>SIMILARITIES</a:t>
-            </a:r>
-            <a:endParaRPr lang="en-IN" b="1" dirty="0">
-              <a:latin typeface="Times New Roman" pitchFamily="18" charset="0"/>
-              <a:cs typeface="Times New Roman" pitchFamily="18" charset="0"/>
-            </a:endParaRPr>
-          </a:p>
-        </p:txBody>
-      </p:sp>
-      <p:sp>
-        <p:nvSpPr>
-          <p:cNvPr id="3" name="Content Placeholder 2"/>
-          <p:cNvSpPr>
-            <a:spLocks noGrp="1"/>
-          </p:cNvSpPr>
+      <p:pic>
+        <p:nvPicPr>
+          <p:cNvPr id="2050" name="Picture 2" descr="F:\gova\Personal\New folder\virgins1.jpg"/>
+          <p:cNvPicPr>
+            <a:picLocks noGrp="1" noChangeAspect="1" noChangeArrowheads="1"/>
+          </p:cNvPicPr>
           <p:nvPr>
             <p:ph idx="1"/>
           </p:nvPr>
+        </p:nvPicPr>
+        <p:blipFill>
+          <a:blip r:embed="rId2"/>
+          <a:srcRect/>
+          <a:stretch>
+            <a:fillRect/>
+          </a:stretch>
+        </p:blipFill>
+        <p:spPr bwMode="auto">
+          <a:xfrm>
+            <a:off x="500034" y="1991519"/>
+            <a:ext cx="8215370" cy="4366439"/>
+          </a:xfrm>
+          <a:prstGeom prst="rect">
+            <a:avLst/>
+          </a:prstGeom>
+          <a:noFill/>
+        </p:spPr>
+      </p:pic>
+      <p:sp>
+        <p:nvSpPr>
+          <p:cNvPr id="5" name="TextBox 4"/>
+          <p:cNvSpPr txBox="1"/>
+          <p:nvPr/>
         </p:nvSpPr>
         <p:spPr>
           <a:xfrm>
-            <a:off x="457200" y="1928802"/>
-            <a:ext cx="8229600" cy="4197361"/>
-          </a:xfrm>
-        </p:spPr>
-        <p:txBody>
-          <a:bodyPr/>
+            <a:off x="357158" y="714356"/>
+            <a:ext cx="8143932" cy="461665"/>
+          </a:xfrm>
+          <a:prstGeom prst="rect">
+            <a:avLst/>
+          </a:prstGeom>
+          <a:noFill/>
+        </p:spPr>
+        <p:txBody>
+          <a:bodyPr wrap="square" rtlCol="0">
+            <a:spAutoFit/>
+          </a:bodyPr>
           <a:lstStyle/>
           <a:p>
             <a:pPr>
@@ -5148,88 +5658,46 @@
               <a:buChar char="§"/>
             </a:pPr>
             <a:r>
-              <a:rPr lang="en-IN" dirty="0"/>
-              <a:t>V</a:t>
-            </a:r>
-            <a:r>
-              <a:rPr lang="en-IN" dirty="0" smtClean="0"/>
-              <a:t>irgin is the one who was made pure and perfect  in the blood of </a:t>
-            </a:r>
-            <a:r>
-              <a:rPr lang="en-IN" dirty="0"/>
-              <a:t>C</a:t>
-            </a:r>
-            <a:r>
-              <a:rPr lang="en-IN" dirty="0" smtClean="0"/>
-              <a:t>hrist.</a:t>
-            </a:r>
-          </a:p>
+              <a:rPr lang="en-IN" sz="2400" dirty="0">
+                <a:cs typeface="Times New Roman" pitchFamily="18" charset="0"/>
+              </a:rPr>
+              <a:t>Wise virgins representing the Bride church.</a:t>
+            </a:r>
+          </a:p>
+        </p:txBody>
+      </p:sp>
+      <p:sp>
+        <p:nvSpPr>
+          <p:cNvPr id="6" name="TextBox 5"/>
+          <p:cNvSpPr txBox="1"/>
+          <p:nvPr/>
+        </p:nvSpPr>
+        <p:spPr>
+          <a:xfrm>
+            <a:off x="357158" y="1202280"/>
+            <a:ext cx="8143932" cy="461665"/>
+          </a:xfrm>
+          <a:prstGeom prst="rect">
+            <a:avLst/>
+          </a:prstGeom>
+          <a:noFill/>
+        </p:spPr>
+        <p:txBody>
+          <a:bodyPr wrap="square" rtlCol="0">
+            <a:spAutoFit/>
+          </a:bodyPr>
+          <a:lstStyle/>
           <a:p>
             <a:pPr>
               <a:buFont typeface="Wingdings" pitchFamily="2" charset="2"/>
               <a:buChar char="§"/>
             </a:pPr>
             <a:r>
-              <a:rPr lang="en-IN" dirty="0" smtClean="0"/>
-              <a:t>Virgin is the one who was betrothed to one husband i.e. Christ  ( II COR 11:23).</a:t>
-            </a:r>
-          </a:p>
-          <a:p>
-            <a:pPr marL="514350" indent="-514350">
-              <a:buFont typeface="Wingdings" pitchFamily="2" charset="2"/>
-              <a:buChar char="§"/>
-            </a:pPr>
-            <a:r>
-              <a:rPr lang="en-IN" dirty="0" smtClean="0"/>
-              <a:t>Virgin is the one that was set out to meet the Bridegroom</a:t>
-            </a:r>
-          </a:p>
-          <a:p>
-            <a:pPr>
-              <a:buFont typeface="Wingdings" pitchFamily="2" charset="2"/>
-              <a:buChar char="q"/>
-            </a:pPr>
-            <a:endParaRPr lang="en-IN" dirty="0"/>
-          </a:p>
-        </p:txBody>
-      </p:sp>
-      <p:sp>
-        <p:nvSpPr>
-          <p:cNvPr id="4" name="TextBox 3"/>
-          <p:cNvSpPr txBox="1"/>
-          <p:nvPr/>
-        </p:nvSpPr>
-        <p:spPr>
-          <a:xfrm>
-            <a:off x="357158" y="1357298"/>
-            <a:ext cx="7429552" cy="523220"/>
-          </a:xfrm>
-          <a:prstGeom prst="rect">
-            <a:avLst/>
-          </a:prstGeom>
-          <a:noFill/>
-        </p:spPr>
-        <p:txBody>
-          <a:bodyPr wrap="square" rtlCol="0">
-            <a:spAutoFit/>
-          </a:bodyPr>
-          <a:lstStyle/>
-          <a:p>
-            <a:pPr marL="514350" indent="-514350">
-              <a:buFont typeface="+mj-lt"/>
-              <a:buAutoNum type="arabicParenR"/>
-            </a:pPr>
-            <a:r>
-              <a:rPr lang="en-US" sz="2800" b="1" dirty="0" smtClean="0">
-                <a:latin typeface="Times New Roman" pitchFamily="18" charset="0"/>
+              <a:rPr lang="en-IN" sz="2400" dirty="0">
                 <a:cs typeface="Times New Roman" pitchFamily="18" charset="0"/>
               </a:rPr>
-              <a:t>They are all Virgins</a:t>
-            </a:r>
-            <a:endParaRPr lang="en-IN" sz="2800" b="1" dirty="0">
-              <a:latin typeface="Times New Roman" pitchFamily="18" charset="0"/>
-              <a:cs typeface="Times New Roman" pitchFamily="18" charset="0"/>
-            </a:endParaRPr>
+              <a:t>Foolish virgins representing the Universal church.</a:t>
+            </a:r>
           </a:p>
         </p:txBody>
       </p:sp>
@@ -5260,14 +5728,101 @@
       </p:grpSpPr>
       <p:sp>
         <p:nvSpPr>
+          <p:cNvPr id="2" name="Title 1"/>
+          <p:cNvSpPr>
+            <a:spLocks noGrp="1"/>
+          </p:cNvSpPr>
+          <p:nvPr>
+            <p:ph type="title"/>
+          </p:nvPr>
+        </p:nvSpPr>
+        <p:spPr/>
+        <p:txBody>
+          <a:bodyPr/>
+          <a:lstStyle/>
+          <a:p>
+            <a:r>
+              <a:rPr lang="en-US" b="1" dirty="0">
+                <a:latin typeface="Times New Roman" pitchFamily="18" charset="0"/>
+                <a:cs typeface="Times New Roman" pitchFamily="18" charset="0"/>
+              </a:rPr>
+              <a:t>SIMILARITIES</a:t>
+            </a:r>
+            <a:endParaRPr lang="en-IN" b="1" dirty="0">
+              <a:latin typeface="Times New Roman" pitchFamily="18" charset="0"/>
+              <a:cs typeface="Times New Roman" pitchFamily="18" charset="0"/>
+            </a:endParaRPr>
+          </a:p>
+        </p:txBody>
+      </p:sp>
+      <p:sp>
+        <p:nvSpPr>
+          <p:cNvPr id="3" name="Content Placeholder 2"/>
+          <p:cNvSpPr>
+            <a:spLocks noGrp="1"/>
+          </p:cNvSpPr>
+          <p:nvPr>
+            <p:ph idx="1"/>
+          </p:nvPr>
+        </p:nvSpPr>
+        <p:spPr>
+          <a:xfrm>
+            <a:off x="457200" y="1928802"/>
+            <a:ext cx="8229600" cy="4197361"/>
+          </a:xfrm>
+        </p:spPr>
+        <p:txBody>
+          <a:bodyPr/>
+          <a:lstStyle/>
+          <a:p>
+            <a:pPr>
+              <a:buFont typeface="Wingdings" pitchFamily="2" charset="2"/>
+              <a:buChar char="§"/>
+            </a:pPr>
+            <a:r>
+              <a:rPr lang="en-IN" dirty="0"/>
+              <a:t>Virgin is the one who was made pure and perfect  in the blood of Christ.</a:t>
+            </a:r>
+          </a:p>
+          <a:p>
+            <a:pPr>
+              <a:buFont typeface="Wingdings" pitchFamily="2" charset="2"/>
+              <a:buChar char="§"/>
+            </a:pPr>
+            <a:r>
+              <a:rPr lang="en-IN" dirty="0"/>
+              <a:t>Virgin is the one who was betrothed to one husband i.e. Christ  ( II COR 11:23).</a:t>
+            </a:r>
+          </a:p>
+          <a:p>
+            <a:pPr marL="514350" indent="-514350">
+              <a:buFont typeface="Wingdings" pitchFamily="2" charset="2"/>
+              <a:buChar char="§"/>
+            </a:pPr>
+            <a:r>
+              <a:rPr lang="en-IN" dirty="0"/>
+              <a:t>Virgin is the one that was set out to meet the Bridegroom</a:t>
+            </a:r>
+          </a:p>
+          <a:p>
+            <a:pPr>
+              <a:buFont typeface="Wingdings" pitchFamily="2" charset="2"/>
+              <a:buChar char="q"/>
+            </a:pPr>
+            <a:endParaRPr lang="en-IN" dirty="0"/>
+          </a:p>
+        </p:txBody>
+      </p:sp>
+      <p:sp>
+        <p:nvSpPr>
           <p:cNvPr id="4" name="TextBox 3"/>
           <p:cNvSpPr txBox="1"/>
           <p:nvPr/>
         </p:nvSpPr>
         <p:spPr>
           <a:xfrm>
-            <a:off x="428596" y="928670"/>
-            <a:ext cx="6786610" cy="523220"/>
+            <a:off x="357158" y="1357298"/>
+            <a:ext cx="7429552" cy="523220"/>
           </a:xfrm>
           <a:prstGeom prst="rect">
             <a:avLst/>
@@ -5280,105 +5835,21 @@
           </a:bodyPr>
           <a:lstStyle/>
           <a:p>
-            <a:r>
-              <a:rPr lang="en-US" sz="2800" b="1" dirty="0" smtClean="0">
+            <a:pPr marL="514350" indent="-514350">
+              <a:buFont typeface="+mj-lt"/>
+              <a:buAutoNum type="arabicParenR"/>
+            </a:pPr>
+            <a:r>
+              <a:rPr lang="en-US" sz="2800" b="1" dirty="0">
                 <a:latin typeface="Times New Roman" pitchFamily="18" charset="0"/>
                 <a:cs typeface="Times New Roman" pitchFamily="18" charset="0"/>
               </a:rPr>
-              <a:t>2) They all carry lamps</a:t>
+              <a:t>They are all Virgins</a:t>
             </a:r>
             <a:endParaRPr lang="en-IN" sz="2800" b="1" dirty="0">
               <a:latin typeface="Times New Roman" pitchFamily="18" charset="0"/>
               <a:cs typeface="Times New Roman" pitchFamily="18" charset="0"/>
             </a:endParaRPr>
-          </a:p>
-        </p:txBody>
-      </p:sp>
-      <p:pic>
-        <p:nvPicPr>
-          <p:cNvPr id="3074" name="Picture 2" descr="F:\gova\Personal\New folder\lamp.jpg"/>
-          <p:cNvPicPr>
-            <a:picLocks noGrp="1" noChangeAspect="1" noChangeArrowheads="1"/>
-          </p:cNvPicPr>
-          <p:nvPr>
-            <p:ph idx="1"/>
-          </p:nvPr>
-        </p:nvPicPr>
-        <p:blipFill>
-          <a:blip r:embed="rId2"/>
-          <a:srcRect/>
-          <a:stretch>
-            <a:fillRect/>
-          </a:stretch>
-        </p:blipFill>
-        <p:spPr bwMode="auto">
-          <a:xfrm>
-            <a:off x="1285852" y="2714620"/>
-            <a:ext cx="6643734" cy="3929090"/>
-          </a:xfrm>
-          <a:prstGeom prst="rect">
-            <a:avLst/>
-          </a:prstGeom>
-          <a:noFill/>
-        </p:spPr>
-      </p:pic>
-      <p:sp>
-        <p:nvSpPr>
-          <p:cNvPr id="7" name="TextBox 6"/>
-          <p:cNvSpPr txBox="1"/>
-          <p:nvPr/>
-        </p:nvSpPr>
-        <p:spPr>
-          <a:xfrm>
-            <a:off x="571472" y="1428736"/>
-            <a:ext cx="8143932" cy="461665"/>
-          </a:xfrm>
-          <a:prstGeom prst="rect">
-            <a:avLst/>
-          </a:prstGeom>
-          <a:noFill/>
-        </p:spPr>
-        <p:txBody>
-          <a:bodyPr wrap="square" rtlCol="0">
-            <a:spAutoFit/>
-          </a:bodyPr>
-          <a:lstStyle/>
-          <a:p>
-            <a:r>
-              <a:rPr lang="en-IN" sz="2400" dirty="0" smtClean="0"/>
-              <a:t>a) Lamp is the light of the Spirit, the light of Salvation</a:t>
-            </a:r>
-            <a:endParaRPr lang="en-IN" sz="2400" dirty="0"/>
-          </a:p>
-        </p:txBody>
-      </p:sp>
-      <p:sp>
-        <p:nvSpPr>
-          <p:cNvPr id="9" name="TextBox 8"/>
-          <p:cNvSpPr txBox="1"/>
-          <p:nvPr/>
-        </p:nvSpPr>
-        <p:spPr>
-          <a:xfrm>
-            <a:off x="571472" y="2000240"/>
-            <a:ext cx="7286676" cy="461665"/>
-          </a:xfrm>
-          <a:prstGeom prst="rect">
-            <a:avLst/>
-          </a:prstGeom>
-          <a:noFill/>
-        </p:spPr>
-        <p:txBody>
-          <a:bodyPr wrap="square" rtlCol="0">
-            <a:spAutoFit/>
-          </a:bodyPr>
-          <a:lstStyle/>
-          <a:p>
-            <a:r>
-              <a:rPr lang="en-IN" sz="2400" dirty="0" smtClean="0"/>
-              <a:t>b) The spirit of man is the lamp of the lord   (PROV.20:27)</a:t>
-            </a:r>
-            <a:endParaRPr lang="en-IN" sz="2400" dirty="0"/>
           </a:p>
         </p:txBody>
       </p:sp>
@@ -5409,58 +5880,14 @@
       </p:grpSpPr>
       <p:sp>
         <p:nvSpPr>
-          <p:cNvPr id="2" name="Title 1"/>
-          <p:cNvSpPr>
-            <a:spLocks noGrp="1"/>
-          </p:cNvSpPr>
-          <p:nvPr>
-            <p:ph type="title"/>
-          </p:nvPr>
-        </p:nvSpPr>
-        <p:spPr>
-          <a:xfrm>
-            <a:off x="214282" y="642918"/>
-            <a:ext cx="8929718" cy="868346"/>
-          </a:xfrm>
-        </p:spPr>
-        <p:txBody>
-          <a:bodyPr>
-            <a:normAutofit/>
-          </a:bodyPr>
-          <a:lstStyle/>
-          <a:p>
-            <a:pPr algn="l"/>
-            <a:r>
-              <a:rPr lang="en-IN" sz="2800" b="1" dirty="0" smtClean="0">
-                <a:latin typeface="Times New Roman" pitchFamily="18" charset="0"/>
-                <a:cs typeface="Times New Roman" pitchFamily="18" charset="0"/>
-              </a:rPr>
-              <a:t>        </a:t>
-            </a:r>
-            <a:r>
-              <a:rPr lang="en-IN" sz="2400" dirty="0" smtClean="0">
-                <a:latin typeface="Times New Roman" pitchFamily="18" charset="0"/>
-                <a:cs typeface="Times New Roman" pitchFamily="18" charset="0"/>
-              </a:rPr>
-              <a:t>c) Lamp is the  legacy of God (I kings 11:36) .</a:t>
-            </a:r>
-            <a:endParaRPr lang="en-IN" sz="2400" dirty="0">
-              <a:latin typeface="Times New Roman" pitchFamily="18" charset="0"/>
-              <a:cs typeface="Times New Roman" pitchFamily="18" charset="0"/>
-            </a:endParaRPr>
-          </a:p>
-        </p:txBody>
-      </p:sp>
-      <p:sp>
-        <p:nvSpPr>
-          <p:cNvPr id="5" name="TextBox 4"/>
+          <p:cNvPr id="4" name="TextBox 3"/>
           <p:cNvSpPr txBox="1"/>
           <p:nvPr/>
         </p:nvSpPr>
         <p:spPr>
           <a:xfrm>
-            <a:off x="1000100" y="1357298"/>
-            <a:ext cx="7072362" cy="830997"/>
+            <a:off x="428596" y="928670"/>
+            <a:ext cx="6786610" cy="523220"/>
           </a:xfrm>
           <a:prstGeom prst="rect">
             <a:avLst/>
@@ -5474,26 +5901,28 @@
           <a:lstStyle/>
           <a:p>
             <a:r>
-              <a:rPr lang="en-IN" sz="2400" dirty="0" smtClean="0"/>
-              <a:t>       chosen state, hierarchy promise.</a:t>
-            </a:r>
-          </a:p>
-          <a:p>
-            <a:r>
-              <a:rPr lang="en-IN" sz="2400" dirty="0" smtClean="0"/>
-              <a:t>d) Lamp is the ultimate grace of God (II Kings 8:19)</a:t>
-            </a:r>
-            <a:endParaRPr lang="en-IN" sz="2400" dirty="0"/>
+              <a:rPr lang="en-US" sz="2800" b="1" dirty="0">
+                <a:latin typeface="Times New Roman" pitchFamily="18" charset="0"/>
+                <a:cs typeface="Times New Roman" pitchFamily="18" charset="0"/>
+              </a:rPr>
+              <a:t>2) They all carry lamps</a:t>
+            </a:r>
+            <a:endParaRPr lang="en-IN" sz="2800" b="1" dirty="0">
+              <a:latin typeface="Times New Roman" pitchFamily="18" charset="0"/>
+              <a:cs typeface="Times New Roman" pitchFamily="18" charset="0"/>
+            </a:endParaRPr>
           </a:p>
         </p:txBody>
       </p:sp>
       <p:pic>
         <p:nvPicPr>
-          <p:cNvPr id="6" name="Picture 2" descr="F:\gova\Personal\New folder\grace-featured-1.png"/>
+          <p:cNvPr id="3074" name="Picture 2" descr="F:\gova\Personal\New folder\lamp.jpg"/>
           <p:cNvPicPr>
-            <a:picLocks noChangeAspect="1" noChangeArrowheads="1"/>
+            <a:picLocks noGrp="1" noChangeAspect="1" noChangeArrowheads="1"/>
           </p:cNvPicPr>
-          <p:nvPr/>
+          <p:nvPr>
+            <p:ph idx="1"/>
+          </p:nvPr>
         </p:nvPicPr>
         <p:blipFill>
           <a:blip r:embed="rId2"/>
@@ -5504,8 +5933,8 @@
         </p:blipFill>
         <p:spPr bwMode="auto">
           <a:xfrm>
-            <a:off x="827584" y="2711774"/>
-            <a:ext cx="7141011" cy="3414389"/>
+            <a:off x="1285852" y="2714620"/>
+            <a:ext cx="6643734" cy="3929090"/>
           </a:xfrm>
           <a:prstGeom prst="rect">
             <a:avLst/>
@@ -5513,6 +5942,64 @@
           <a:noFill/>
         </p:spPr>
       </p:pic>
+      <p:sp>
+        <p:nvSpPr>
+          <p:cNvPr id="7" name="TextBox 6"/>
+          <p:cNvSpPr txBox="1"/>
+          <p:nvPr/>
+        </p:nvSpPr>
+        <p:spPr>
+          <a:xfrm>
+            <a:off x="571472" y="1428736"/>
+            <a:ext cx="8143932" cy="461665"/>
+          </a:xfrm>
+          <a:prstGeom prst="rect">
+            <a:avLst/>
+          </a:prstGeom>
+          <a:noFill/>
+        </p:spPr>
+        <p:txBody>
+          <a:bodyPr wrap="square" rtlCol="0">
+            <a:spAutoFit/>
+          </a:bodyPr>
+          <a:lstStyle/>
+          <a:p>
+            <a:r>
+              <a:rPr lang="en-IN" sz="2400" dirty="0"/>
+              <a:t>a) Lamp is the light of the Spirit, the light of Salvation</a:t>
+            </a:r>
+          </a:p>
+        </p:txBody>
+      </p:sp>
+      <p:sp>
+        <p:nvSpPr>
+          <p:cNvPr id="9" name="TextBox 8"/>
+          <p:cNvSpPr txBox="1"/>
+          <p:nvPr/>
+        </p:nvSpPr>
+        <p:spPr>
+          <a:xfrm>
+            <a:off x="571472" y="2000240"/>
+            <a:ext cx="7286676" cy="461665"/>
+          </a:xfrm>
+          <a:prstGeom prst="rect">
+            <a:avLst/>
+          </a:prstGeom>
+          <a:noFill/>
+        </p:spPr>
+        <p:txBody>
+          <a:bodyPr wrap="square" rtlCol="0">
+            <a:spAutoFit/>
+          </a:bodyPr>
+          <a:lstStyle/>
+          <a:p>
+            <a:r>
+              <a:rPr lang="en-IN" sz="2400" dirty="0"/>
+              <a:t>b) The spirit of man is the lamp of the lord   (PROV.20:27)</a:t>
+            </a:r>
+          </a:p>
+        </p:txBody>
+      </p:sp>
     </p:spTree>
   </p:cSld>
   <p:clrMapOvr>
@@ -5540,14 +6027,68 @@
       </p:grpSpPr>
       <p:sp>
         <p:nvSpPr>
+          <p:cNvPr id="2" name="Title 1"/>
+          <p:cNvSpPr>
+            <a:spLocks noGrp="1"/>
+          </p:cNvSpPr>
+          <p:nvPr>
+            <p:ph type="title"/>
+          </p:nvPr>
+        </p:nvSpPr>
+        <p:spPr>
+          <a:xfrm>
+            <a:off x="214282" y="642918"/>
+            <a:ext cx="8929718" cy="868346"/>
+          </a:xfrm>
+        </p:spPr>
+        <p:txBody>
+          <a:bodyPr>
+            <a:normAutofit/>
+          </a:bodyPr>
+          <a:lstStyle/>
+          <a:p>
+            <a:pPr algn="l"/>
+            <a:r>
+              <a:rPr lang="en-IN" sz="2800" b="1" dirty="0">
+                <a:latin typeface="Times New Roman" pitchFamily="18" charset="0"/>
+                <a:cs typeface="Times New Roman" pitchFamily="18" charset="0"/>
+              </a:rPr>
+              <a:t>        </a:t>
+            </a:r>
+            <a:r>
+              <a:rPr lang="en-IN" sz="2400" dirty="0">
+                <a:latin typeface="Times New Roman" pitchFamily="18" charset="0"/>
+                <a:cs typeface="Times New Roman" pitchFamily="18" charset="0"/>
+              </a:rPr>
+              <a:t>c) Lamp is the  legacy of </a:t>
+            </a:r>
+            <a:r>
+              <a:rPr lang="en-IN" sz="2400" dirty="0" smtClean="0">
+                <a:latin typeface="Times New Roman" pitchFamily="18" charset="0"/>
+                <a:cs typeface="Times New Roman" pitchFamily="18" charset="0"/>
+              </a:rPr>
+              <a:t>God </a:t>
+            </a:r>
+            <a:r>
+              <a:rPr lang="en-IN" sz="2400" dirty="0">
+                <a:latin typeface="Times New Roman" pitchFamily="18" charset="0"/>
+                <a:cs typeface="Times New Roman" pitchFamily="18" charset="0"/>
+              </a:rPr>
+              <a:t>(I kings 11:36) .</a:t>
+            </a:r>
+          </a:p>
+        </p:txBody>
+      </p:sp>
+      <p:sp>
+        <p:nvSpPr>
           <p:cNvPr id="5" name="TextBox 4"/>
           <p:cNvSpPr txBox="1"/>
           <p:nvPr/>
         </p:nvSpPr>
         <p:spPr>
           <a:xfrm>
-            <a:off x="500034" y="785794"/>
-            <a:ext cx="8001056" cy="830997"/>
+            <a:off x="1000100" y="1357298"/>
+            <a:ext cx="7072362" cy="830997"/>
           </a:xfrm>
           <a:prstGeom prst="rect">
             <a:avLst/>
@@ -5561,80 +6102,29 @@
           <a:lstStyle/>
           <a:p>
             <a:r>
-              <a:rPr lang="en-IN" sz="2400" b="1" dirty="0" smtClean="0">
-                <a:latin typeface="Times New Roman" pitchFamily="18" charset="0"/>
-                <a:cs typeface="Times New Roman" pitchFamily="18" charset="0"/>
-              </a:rPr>
-              <a:t>  </a:t>
-            </a:r>
-            <a:r>
-              <a:rPr lang="en-IN" sz="2400" dirty="0" smtClean="0">
-                <a:latin typeface="Times New Roman" pitchFamily="18" charset="0"/>
-                <a:cs typeface="Times New Roman" pitchFamily="18" charset="0"/>
-              </a:rPr>
-              <a:t> e) Lamp is the glory of God  ( Job 29:3 ).</a:t>
-            </a:r>
-          </a:p>
-          <a:p>
-            <a:r>
-              <a:rPr lang="en-IN" sz="2400" dirty="0" smtClean="0">
-                <a:latin typeface="Times New Roman" pitchFamily="18" charset="0"/>
-                <a:cs typeface="Times New Roman" pitchFamily="18" charset="0"/>
-              </a:rPr>
-              <a:t>   f) </a:t>
-            </a:r>
-            <a:r>
-              <a:rPr lang="en-IN" sz="2400" dirty="0">
-                <a:latin typeface="Times New Roman" pitchFamily="18" charset="0"/>
-                <a:cs typeface="Times New Roman" pitchFamily="18" charset="0"/>
-              </a:rPr>
-              <a:t>Lamp is the word of </a:t>
-            </a:r>
-            <a:r>
-              <a:rPr lang="en-IN" sz="2400" dirty="0" smtClean="0">
-                <a:latin typeface="Times New Roman" pitchFamily="18" charset="0"/>
-                <a:cs typeface="Times New Roman" pitchFamily="18" charset="0"/>
-              </a:rPr>
-              <a:t>God    </a:t>
-            </a:r>
-            <a:r>
-              <a:rPr lang="en-IN" sz="2400" dirty="0">
-                <a:latin typeface="Times New Roman" pitchFamily="18" charset="0"/>
-                <a:cs typeface="Times New Roman" pitchFamily="18" charset="0"/>
-              </a:rPr>
-              <a:t>( PS 119.105 ) ;  ( </a:t>
-            </a:r>
-            <a:r>
-              <a:rPr lang="en-IN" sz="2400" dirty="0" err="1">
-                <a:latin typeface="Times New Roman" pitchFamily="18" charset="0"/>
-                <a:cs typeface="Times New Roman" pitchFamily="18" charset="0"/>
-              </a:rPr>
-              <a:t>Prov</a:t>
-            </a:r>
-            <a:r>
-              <a:rPr lang="en-IN" sz="2400" dirty="0">
-                <a:latin typeface="Times New Roman" pitchFamily="18" charset="0"/>
-                <a:cs typeface="Times New Roman" pitchFamily="18" charset="0"/>
-              </a:rPr>
-              <a:t> 5:3 </a:t>
-            </a:r>
-            <a:r>
-              <a:rPr lang="en-IN" sz="2400" dirty="0" smtClean="0">
-                <a:latin typeface="Times New Roman" pitchFamily="18" charset="0"/>
-                <a:cs typeface="Times New Roman" pitchFamily="18" charset="0"/>
-              </a:rPr>
-              <a:t>)</a:t>
-            </a:r>
-            <a:endParaRPr lang="en-IN" sz="2400" dirty="0">
-              <a:latin typeface="Times New Roman" pitchFamily="18" charset="0"/>
-              <a:cs typeface="Times New Roman" pitchFamily="18" charset="0"/>
-            </a:endParaRPr>
+              <a:rPr lang="en-IN" sz="2400" dirty="0"/>
+              <a:t>       chosen state, hierarchy promise.</a:t>
+            </a:r>
+          </a:p>
+          <a:p>
+            <a:r>
+              <a:rPr lang="en-IN" sz="2400" dirty="0"/>
+              <a:t>d) Lamp is the ultimate grace of </a:t>
+            </a:r>
+            <a:r>
+              <a:rPr lang="en-IN" sz="2400" dirty="0" smtClean="0"/>
+              <a:t>God </a:t>
+            </a:r>
+            <a:r>
+              <a:rPr lang="en-IN" sz="2400" dirty="0"/>
+              <a:t>(II Kings 8:19)</a:t>
+            </a:r>
           </a:p>
         </p:txBody>
       </p:sp>
       <p:pic>
         <p:nvPicPr>
-          <p:cNvPr id="6" name="Picture 3" descr="F:\gova\Personal\New folder\Fill-Your-Life-With-Word-of-God.jpg"/>
+          <p:cNvPr id="6" name="Picture 2" descr="F:\gova\Personal\New folder\grace-featured-1.png"/>
           <p:cNvPicPr>
             <a:picLocks noChangeAspect="1" noChangeArrowheads="1"/>
           </p:cNvPicPr>
@@ -5649,8 +6139,8 @@
         </p:blipFill>
         <p:spPr bwMode="auto">
           <a:xfrm>
-            <a:off x="971600" y="1983748"/>
-            <a:ext cx="6696744" cy="3837046"/>
+            <a:off x="827584" y="2711774"/>
+            <a:ext cx="7141011" cy="3414389"/>
           </a:xfrm>
           <a:prstGeom prst="rect">
             <a:avLst/>
@@ -5685,50 +6175,128 @@
       </p:grpSpPr>
       <p:sp>
         <p:nvSpPr>
-          <p:cNvPr id="2" name="Title 1"/>
-          <p:cNvSpPr>
-            <a:spLocks noGrp="1"/>
-          </p:cNvSpPr>
-          <p:nvPr>
-            <p:ph type="title"/>
-          </p:nvPr>
+          <p:cNvPr id="5" name="TextBox 4"/>
+          <p:cNvSpPr txBox="1"/>
+          <p:nvPr/>
         </p:nvSpPr>
         <p:spPr>
           <a:xfrm>
-            <a:off x="428596" y="214290"/>
-            <a:ext cx="8229600" cy="560406"/>
-          </a:xfrm>
-        </p:spPr>
-        <p:txBody>
-          <a:bodyPr>
-            <a:normAutofit/>
+            <a:off x="500034" y="785794"/>
+            <a:ext cx="8001056" cy="1200329"/>
+          </a:xfrm>
+          <a:prstGeom prst="rect">
+            <a:avLst/>
+          </a:prstGeom>
+          <a:noFill/>
+        </p:spPr>
+        <p:txBody>
+          <a:bodyPr wrap="square" rtlCol="0">
+            <a:spAutoFit/>
           </a:bodyPr>
           <a:lstStyle/>
           <a:p>
-            <a:pPr marL="514350" indent="-514350" algn="l"/>
-            <a:r>
-              <a:rPr lang="en-IN" sz="2800" b="1" dirty="0" smtClean="0">
+            <a:r>
+              <a:rPr lang="en-IN" sz="2400" b="1" dirty="0">
                 <a:latin typeface="Times New Roman" pitchFamily="18" charset="0"/>
                 <a:cs typeface="Times New Roman" pitchFamily="18" charset="0"/>
               </a:rPr>
-              <a:t>3) They all went out to meet the Bridegroom</a:t>
-            </a:r>
-            <a:endParaRPr lang="en-IN" sz="2800" b="1" dirty="0">
+              <a:t>  </a:t>
+            </a:r>
+            <a:r>
+              <a:rPr lang="en-IN" sz="2400" dirty="0">
+                <a:latin typeface="Times New Roman" pitchFamily="18" charset="0"/>
+                <a:cs typeface="Times New Roman" pitchFamily="18" charset="0"/>
+              </a:rPr>
+              <a:t> e) Lamp is the glory of </a:t>
+            </a:r>
+            <a:r>
+              <a:rPr lang="en-IN" sz="2400" dirty="0" smtClean="0">
+                <a:latin typeface="Times New Roman" pitchFamily="18" charset="0"/>
+                <a:cs typeface="Times New Roman" pitchFamily="18" charset="0"/>
+              </a:rPr>
+              <a:t>God  </a:t>
+            </a:r>
+            <a:r>
+              <a:rPr lang="en-IN" sz="2400" dirty="0">
+                <a:latin typeface="Times New Roman" pitchFamily="18" charset="0"/>
+                <a:cs typeface="Times New Roman" pitchFamily="18" charset="0"/>
+              </a:rPr>
+              <a:t>( Job 29:3 ).</a:t>
+            </a:r>
+          </a:p>
+          <a:p>
+            <a:r>
+              <a:rPr lang="en-IN" sz="2400" dirty="0">
+                <a:latin typeface="Times New Roman" pitchFamily="18" charset="0"/>
+                <a:cs typeface="Times New Roman" pitchFamily="18" charset="0"/>
+              </a:rPr>
+              <a:t>   f) Lamp is the word of </a:t>
+            </a:r>
+            <a:r>
+              <a:rPr lang="en-IN" sz="2400" dirty="0" smtClean="0">
+                <a:latin typeface="Times New Roman" pitchFamily="18" charset="0"/>
+                <a:cs typeface="Times New Roman" pitchFamily="18" charset="0"/>
+              </a:rPr>
+              <a:t>God    </a:t>
+            </a:r>
+            <a:r>
+              <a:rPr lang="en-IN" sz="2400" dirty="0">
+                <a:latin typeface="Times New Roman" pitchFamily="18" charset="0"/>
+                <a:cs typeface="Times New Roman" pitchFamily="18" charset="0"/>
+              </a:rPr>
+              <a:t>( PS 119.105 ) ;  </a:t>
+            </a:r>
+            <a:endParaRPr lang="en-IN" sz="2400" dirty="0" smtClean="0">
               <a:latin typeface="Times New Roman" pitchFamily="18" charset="0"/>
               <a:cs typeface="Times New Roman" pitchFamily="18" charset="0"/>
             </a:endParaRPr>
           </a:p>
+          <a:p>
+            <a:r>
+              <a:rPr lang="en-IN" sz="2400" dirty="0">
+                <a:latin typeface="Times New Roman" pitchFamily="18" charset="0"/>
+                <a:cs typeface="Times New Roman" pitchFamily="18" charset="0"/>
+              </a:rPr>
+              <a:t> </a:t>
+            </a:r>
+            <a:r>
+              <a:rPr lang="en-IN" sz="2400" dirty="0" smtClean="0">
+                <a:latin typeface="Times New Roman" pitchFamily="18" charset="0"/>
+                <a:cs typeface="Times New Roman" pitchFamily="18" charset="0"/>
+              </a:rPr>
+              <a:t>      </a:t>
+            </a:r>
+            <a:r>
+              <a:rPr lang="en-IN" sz="2400" dirty="0" smtClean="0">
+                <a:latin typeface="Times New Roman" pitchFamily="18" charset="0"/>
+                <a:cs typeface="Times New Roman" pitchFamily="18" charset="0"/>
+              </a:rPr>
+              <a:t>( </a:t>
+            </a:r>
+            <a:r>
+              <a:rPr lang="en-IN" sz="2400" dirty="0" err="1">
+                <a:latin typeface="Times New Roman" pitchFamily="18" charset="0"/>
+                <a:cs typeface="Times New Roman" pitchFamily="18" charset="0"/>
+              </a:rPr>
+              <a:t>Prov</a:t>
+            </a:r>
+            <a:r>
+              <a:rPr lang="en-IN" sz="2400" dirty="0">
+                <a:latin typeface="Times New Roman" pitchFamily="18" charset="0"/>
+                <a:cs typeface="Times New Roman" pitchFamily="18" charset="0"/>
+              </a:rPr>
+              <a:t> 5:3 )</a:t>
+            </a:r>
+          </a:p>
         </p:txBody>
       </p:sp>
       <p:pic>
         <p:nvPicPr>
-          <p:cNvPr id="5122" name="Picture 2" descr="F:\gova\Personal\New folder\bridegroom.jpg"/>
+          <p:cNvPr id="6" name="Picture 3" descr="F:\gova\Personal\New folder\Fill-Your-Life-With-Word-of-God.jpg"/>
           <p:cNvPicPr>
-            <a:picLocks noGrp="1" noChangeAspect="1" noChangeArrowheads="1"/>
+            <a:picLocks noChangeAspect="1" noChangeArrowheads="1"/>
           </p:cNvPicPr>
-          <p:nvPr>
-            <p:ph idx="1"/>
-          </p:nvPr>
+          <p:nvPr/>
         </p:nvPicPr>
         <p:blipFill>
           <a:blip r:embed="rId2"/>
@@ -5739,8 +6307,8 @@
         </p:blipFill>
         <p:spPr bwMode="auto">
           <a:xfrm>
-            <a:off x="642910" y="2292087"/>
-            <a:ext cx="7166545" cy="4376992"/>
+            <a:off x="971600" y="1983748"/>
+            <a:ext cx="6696744" cy="3837046"/>
           </a:xfrm>
           <a:prstGeom prst="rect">
             <a:avLst/>
@@ -5748,142 +6316,6 @@
           <a:noFill/>
         </p:spPr>
       </p:pic>
-      <p:sp>
-        <p:nvSpPr>
-          <p:cNvPr id="5" name="TextBox 4"/>
-          <p:cNvSpPr txBox="1"/>
-          <p:nvPr/>
-        </p:nvSpPr>
-        <p:spPr>
-          <a:xfrm>
-            <a:off x="642910" y="714356"/>
-            <a:ext cx="3714776" cy="461665"/>
-          </a:xfrm>
-          <a:prstGeom prst="rect">
-            <a:avLst/>
-          </a:prstGeom>
-          <a:noFill/>
-        </p:spPr>
-        <p:txBody>
-          <a:bodyPr wrap="square" rtlCol="0">
-            <a:spAutoFit/>
-          </a:bodyPr>
-          <a:lstStyle/>
-          <a:p>
-            <a:pPr>
-              <a:buFont typeface="Wingdings" pitchFamily="2" charset="2"/>
-              <a:buChar char="§"/>
-            </a:pPr>
-            <a:r>
-              <a:rPr lang="en-IN" sz="2400" dirty="0" smtClean="0"/>
-              <a:t>They overcome the word</a:t>
-            </a:r>
-            <a:endParaRPr lang="en-IN" sz="2400" dirty="0"/>
-          </a:p>
-        </p:txBody>
-      </p:sp>
-      <p:sp>
-        <p:nvSpPr>
-          <p:cNvPr id="6" name="TextBox 5"/>
-          <p:cNvSpPr txBox="1"/>
-          <p:nvPr/>
-        </p:nvSpPr>
-        <p:spPr>
-          <a:xfrm>
-            <a:off x="4929190" y="714356"/>
-            <a:ext cx="3857652" cy="461665"/>
-          </a:xfrm>
-          <a:prstGeom prst="rect">
-            <a:avLst/>
-          </a:prstGeom>
-          <a:noFill/>
-        </p:spPr>
-        <p:txBody>
-          <a:bodyPr wrap="square" rtlCol="0">
-            <a:spAutoFit/>
-          </a:bodyPr>
-          <a:lstStyle/>
-          <a:p>
-            <a:pPr>
-              <a:buFont typeface="Wingdings" pitchFamily="2" charset="2"/>
-              <a:buChar char="§"/>
-            </a:pPr>
-            <a:r>
-              <a:rPr lang="en-IN" sz="2400" dirty="0" smtClean="0"/>
-              <a:t>They have no bondages</a:t>
-            </a:r>
-            <a:endParaRPr lang="en-IN" sz="2400" dirty="0"/>
-          </a:p>
-        </p:txBody>
-      </p:sp>
-      <p:sp>
-        <p:nvSpPr>
-          <p:cNvPr id="7" name="TextBox 6"/>
-          <p:cNvSpPr txBox="1"/>
-          <p:nvPr/>
-        </p:nvSpPr>
-        <p:spPr>
-          <a:xfrm>
-            <a:off x="642910" y="1142984"/>
-            <a:ext cx="4572032" cy="461665"/>
-          </a:xfrm>
-          <a:prstGeom prst="rect">
-            <a:avLst/>
-          </a:prstGeom>
-          <a:noFill/>
-        </p:spPr>
-        <p:txBody>
-          <a:bodyPr wrap="square" rtlCol="0">
-            <a:spAutoFit/>
-          </a:bodyPr>
-          <a:lstStyle/>
-          <a:p>
-            <a:pPr>
-              <a:buFont typeface="Wingdings" pitchFamily="2" charset="2"/>
-              <a:buChar char="§"/>
-            </a:pPr>
-            <a:r>
-              <a:rPr lang="en-IN" sz="2400" dirty="0" smtClean="0"/>
-              <a:t>They are on their rapture Journey</a:t>
-            </a:r>
-            <a:endParaRPr lang="en-IN" sz="2400" dirty="0"/>
-          </a:p>
-        </p:txBody>
-      </p:sp>
-      <p:sp>
-        <p:nvSpPr>
-          <p:cNvPr id="8" name="TextBox 7"/>
-          <p:cNvSpPr txBox="1"/>
-          <p:nvPr/>
-        </p:nvSpPr>
-        <p:spPr>
-          <a:xfrm>
-            <a:off x="642910" y="1571612"/>
-            <a:ext cx="5214974" cy="461665"/>
-          </a:xfrm>
-          <a:prstGeom prst="rect">
-            <a:avLst/>
-          </a:prstGeom>
-          <a:noFill/>
-        </p:spPr>
-        <p:txBody>
-          <a:bodyPr wrap="square" rtlCol="0">
-            <a:spAutoFit/>
-          </a:bodyPr>
-          <a:lstStyle/>
-          <a:p>
-            <a:pPr>
-              <a:buFont typeface="Wingdings" pitchFamily="2" charset="2"/>
-              <a:buChar char="§"/>
-            </a:pPr>
-            <a:r>
-              <a:rPr lang="en-IN" sz="2400" dirty="0" smtClean="0"/>
-              <a:t>They see Christ as a Bridegroom</a:t>
-            </a:r>
-            <a:endParaRPr lang="en-IN" sz="2400" dirty="0"/>
-          </a:p>
-        </p:txBody>
-      </p:sp>
     </p:spTree>
   </p:cSld>
   <p:clrMapOvr>
@@ -5909,9 +6341,42 @@
           <a:chExt cx="0" cy="0"/>
         </a:xfrm>
       </p:grpSpPr>
+      <p:sp>
+        <p:nvSpPr>
+          <p:cNvPr id="2" name="Title 1"/>
+          <p:cNvSpPr>
+            <a:spLocks noGrp="1"/>
+          </p:cNvSpPr>
+          <p:nvPr>
+            <p:ph type="title"/>
+          </p:nvPr>
+        </p:nvSpPr>
+        <p:spPr>
+          <a:xfrm>
+            <a:off x="428596" y="214290"/>
+            <a:ext cx="8229600" cy="560406"/>
+          </a:xfrm>
+        </p:spPr>
+        <p:txBody>
+          <a:bodyPr>
+            <a:normAutofit/>
+          </a:bodyPr>
+          <a:lstStyle/>
+          <a:p>
+            <a:pPr marL="514350" indent="-514350" algn="l"/>
+            <a:r>
+              <a:rPr lang="en-IN" sz="2800" b="1" dirty="0">
+                <a:latin typeface="Times New Roman" pitchFamily="18" charset="0"/>
+                <a:cs typeface="Times New Roman" pitchFamily="18" charset="0"/>
+              </a:rPr>
+              <a:t>3) They all went out to meet the Bridegroom</a:t>
+            </a:r>
+          </a:p>
+        </p:txBody>
+      </p:sp>
       <p:pic>
         <p:nvPicPr>
-          <p:cNvPr id="6146" name="Picture 2" descr="F:\gova\Personal\New folder\christ-child15.jpg"/>
+          <p:cNvPr id="5122" name="Picture 2" descr="F:\gova\Personal\New folder\bridegroom.jpg"/>
           <p:cNvPicPr>
             <a:picLocks noGrp="1" noChangeAspect="1" noChangeArrowheads="1"/>
           </p:cNvPicPr>
@@ -5928,8 +6393,8 @@
         </p:blipFill>
         <p:spPr bwMode="auto">
           <a:xfrm>
-            <a:off x="857224" y="714356"/>
-            <a:ext cx="2926049" cy="2328866"/>
+            <a:off x="617901" y="2271218"/>
+            <a:ext cx="7166545" cy="4376992"/>
           </a:xfrm>
           <a:prstGeom prst="rect">
             <a:avLst/>
@@ -5945,8 +6410,8 @@
         </p:nvSpPr>
         <p:spPr>
           <a:xfrm>
-            <a:off x="857224" y="214290"/>
-            <a:ext cx="2928958" cy="461665"/>
+            <a:off x="633554" y="935131"/>
+            <a:ext cx="3714776" cy="1200329"/>
           </a:xfrm>
           <a:prstGeom prst="rect">
             <a:avLst/>
@@ -5959,64 +6424,81 @@
           </a:bodyPr>
           <a:lstStyle/>
           <a:p>
-            <a:pPr algn="ctr"/>
-            <a:r>
-              <a:rPr lang="en-US" sz="2400" b="1" dirty="0">
-                <a:latin typeface="Times New Roman" pitchFamily="18" charset="0"/>
-                <a:cs typeface="Times New Roman" pitchFamily="18" charset="0"/>
-              </a:rPr>
-              <a:t>B</a:t>
-            </a:r>
-            <a:r>
-              <a:rPr lang="en-US" sz="2400" b="1" dirty="0" smtClean="0">
-                <a:latin typeface="Times New Roman" pitchFamily="18" charset="0"/>
-                <a:cs typeface="Times New Roman" pitchFamily="18" charset="0"/>
-              </a:rPr>
-              <a:t>aby Jesus-Son</a:t>
-            </a:r>
-            <a:endParaRPr lang="en-IN" sz="2400" b="1" dirty="0">
-              <a:latin typeface="Times New Roman" pitchFamily="18" charset="0"/>
-              <a:cs typeface="Times New Roman" pitchFamily="18" charset="0"/>
-            </a:endParaRPr>
-          </a:p>
-        </p:txBody>
-      </p:sp>
-      <p:pic>
-        <p:nvPicPr>
-          <p:cNvPr id="6147" name="Picture 3" descr="F:\gova\Personal\New folder\Jesus-Adult-Awesome-Image.jpg"/>
-          <p:cNvPicPr>
-            <a:picLocks noChangeAspect="1" noChangeArrowheads="1"/>
-          </p:cNvPicPr>
+            <a:pPr>
+              <a:buFont typeface="Wingdings" pitchFamily="2" charset="2"/>
+              <a:buChar char="§"/>
+            </a:pPr>
+            <a:r>
+              <a:rPr lang="en-IN" sz="2400" dirty="0"/>
+              <a:t>They overcome the </a:t>
+            </a:r>
+            <a:r>
+              <a:rPr lang="en-IN" sz="2400" dirty="0" smtClean="0"/>
+              <a:t>world</a:t>
+            </a:r>
+          </a:p>
+          <a:p>
+            <a:endParaRPr lang="en-IN" sz="2400" dirty="0"/>
+          </a:p>
+          <a:p>
+            <a:pPr>
+              <a:buFont typeface="Wingdings" pitchFamily="2" charset="2"/>
+              <a:buChar char="§"/>
+            </a:pPr>
+            <a:r>
+              <a:rPr lang="en-IN" sz="2400" dirty="0"/>
+              <a:t>They have no bondages</a:t>
+            </a:r>
+          </a:p>
+        </p:txBody>
+      </p:sp>
+      <p:sp>
+        <p:nvSpPr>
+          <p:cNvPr id="6" name="TextBox 5"/>
+          <p:cNvSpPr txBox="1"/>
           <p:nvPr/>
-        </p:nvPicPr>
-        <p:blipFill>
-          <a:blip r:embed="rId3"/>
-          <a:srcRect/>
-          <a:stretch>
-            <a:fillRect/>
-          </a:stretch>
-        </p:blipFill>
-        <p:spPr bwMode="auto">
-          <a:xfrm>
-            <a:off x="4357686" y="714356"/>
-            <a:ext cx="4152908" cy="2295529"/>
+        </p:nvSpPr>
+        <p:spPr>
+          <a:xfrm>
+            <a:off x="4929190" y="714356"/>
+            <a:ext cx="3857652" cy="830997"/>
           </a:xfrm>
           <a:prstGeom prst="rect">
             <a:avLst/>
           </a:prstGeom>
           <a:noFill/>
         </p:spPr>
-      </p:pic>
-      <p:sp>
-        <p:nvSpPr>
-          <p:cNvPr id="8" name="TextBox 7"/>
+        <p:txBody>
+          <a:bodyPr wrap="square" rtlCol="0">
+            <a:spAutoFit/>
+          </a:bodyPr>
+          <a:lstStyle/>
+          <a:p>
+            <a:pPr>
+              <a:buFont typeface="Wingdings" pitchFamily="2" charset="2"/>
+              <a:buChar char="§"/>
+            </a:pPr>
+            <a:endParaRPr lang="en-IN" sz="2400" dirty="0"/>
+          </a:p>
+          <a:p>
+            <a:pPr>
+              <a:buFont typeface="Wingdings" pitchFamily="2" charset="2"/>
+              <a:buChar char="§"/>
+            </a:pPr>
+            <a:endParaRPr lang="en-IN" sz="2400" dirty="0"/>
+          </a:p>
+        </p:txBody>
+      </p:sp>
+      <p:sp>
+        <p:nvSpPr>
+          <p:cNvPr id="7" name="TextBox 6"/>
           <p:cNvSpPr txBox="1"/>
           <p:nvPr/>
         </p:nvSpPr>
         <p:spPr>
           <a:xfrm>
-            <a:off x="4357686" y="142852"/>
-            <a:ext cx="4143404" cy="523220"/>
+            <a:off x="1043608" y="1274762"/>
+            <a:ext cx="4572032" cy="1200329"/>
           </a:xfrm>
           <a:prstGeom prst="rect">
             <a:avLst/>
@@ -6029,158 +6511,13 @@
           </a:bodyPr>
           <a:lstStyle/>
           <a:p>
-            <a:pPr algn="ctr"/>
-            <a:r>
-              <a:rPr lang="en-IN" sz="2800" b="1" dirty="0" smtClean="0">
-                <a:latin typeface="Times New Roman" pitchFamily="18" charset="0"/>
-                <a:cs typeface="Times New Roman" pitchFamily="18" charset="0"/>
-              </a:rPr>
-              <a:t>Adult </a:t>
-            </a:r>
-            <a:r>
-              <a:rPr lang="en-IN" sz="2800" b="1" dirty="0" smtClean="0">
-                <a:latin typeface="Times New Roman" pitchFamily="18" charset="0"/>
-                <a:cs typeface="Times New Roman" pitchFamily="18" charset="0"/>
-              </a:rPr>
-              <a:t>Jesus-Son of Man</a:t>
-            </a:r>
-            <a:endParaRPr lang="en-IN" sz="2800" b="1" dirty="0">
-              <a:latin typeface="Times New Roman" pitchFamily="18" charset="0"/>
-              <a:cs typeface="Times New Roman" pitchFamily="18" charset="0"/>
-            </a:endParaRPr>
-          </a:p>
-        </p:txBody>
-      </p:sp>
-      <p:pic>
-        <p:nvPicPr>
-          <p:cNvPr id="6148" name="Picture 4" descr="F:\gova\Personal\New folder\Divine god.jpg"/>
-          <p:cNvPicPr>
-            <a:picLocks noChangeAspect="1" noChangeArrowheads="1"/>
-          </p:cNvPicPr>
-          <p:nvPr/>
-        </p:nvPicPr>
-        <p:blipFill>
-          <a:blip r:embed="rId4"/>
-          <a:srcRect/>
-          <a:stretch>
-            <a:fillRect/>
-          </a:stretch>
-        </p:blipFill>
-        <p:spPr bwMode="auto">
-          <a:xfrm>
-            <a:off x="833423" y="3548080"/>
-            <a:ext cx="2952759" cy="3095630"/>
-          </a:xfrm>
-          <a:prstGeom prst="rect">
-            <a:avLst/>
-          </a:prstGeom>
-          <a:noFill/>
-        </p:spPr>
-      </p:pic>
-      <p:sp>
-        <p:nvSpPr>
-          <p:cNvPr id="11" name="TextBox 10"/>
-          <p:cNvSpPr txBox="1"/>
-          <p:nvPr/>
-        </p:nvSpPr>
-        <p:spPr>
-          <a:xfrm>
-            <a:off x="490344" y="3071810"/>
-            <a:ext cx="3505592" cy="523220"/>
-          </a:xfrm>
-          <a:prstGeom prst="rect">
-            <a:avLst/>
-          </a:prstGeom>
-          <a:noFill/>
-        </p:spPr>
-        <p:txBody>
-          <a:bodyPr wrap="square" rtlCol="0">
-            <a:spAutoFit/>
-          </a:bodyPr>
-          <a:lstStyle/>
-          <a:p>
-            <a:pPr algn="ctr"/>
-            <a:r>
-              <a:rPr lang="en-US" sz="2400" b="1" dirty="0" smtClean="0">
-                <a:latin typeface="Times New Roman" pitchFamily="18" charset="0"/>
-                <a:cs typeface="Times New Roman" pitchFamily="18" charset="0"/>
-              </a:rPr>
-              <a:t>Divine Jesus-Son of God </a:t>
-            </a:r>
-            <a:r>
-              <a:rPr lang="en-US" sz="2800" b="1" dirty="0" smtClean="0">
-                <a:latin typeface="Times New Roman" pitchFamily="18" charset="0"/>
-                <a:cs typeface="Times New Roman" pitchFamily="18" charset="0"/>
-              </a:rPr>
-              <a:t> </a:t>
-            </a:r>
-            <a:endParaRPr lang="en-IN" sz="2800" b="1" dirty="0">
-              <a:latin typeface="Times New Roman" pitchFamily="18" charset="0"/>
-              <a:cs typeface="Times New Roman" pitchFamily="18" charset="0"/>
-            </a:endParaRPr>
-          </a:p>
-        </p:txBody>
-      </p:sp>
-      <p:pic>
-        <p:nvPicPr>
-          <p:cNvPr id="6149" name="Picture 5" descr="F:\gova\Personal\New folder\glorious.jpg"/>
-          <p:cNvPicPr>
-            <a:picLocks noChangeAspect="1" noChangeArrowheads="1"/>
-          </p:cNvPicPr>
-          <p:nvPr/>
-        </p:nvPicPr>
-        <p:blipFill>
-          <a:blip r:embed="rId5"/>
-          <a:srcRect/>
-          <a:stretch>
-            <a:fillRect/>
-          </a:stretch>
-        </p:blipFill>
-        <p:spPr bwMode="auto">
-          <a:xfrm>
-            <a:off x="4357686" y="3571876"/>
-            <a:ext cx="4214842" cy="3071834"/>
-          </a:xfrm>
-          <a:prstGeom prst="rect">
-            <a:avLst/>
-          </a:prstGeom>
-          <a:noFill/>
-        </p:spPr>
-      </p:pic>
-      <p:sp>
-        <p:nvSpPr>
-          <p:cNvPr id="13" name="TextBox 12"/>
-          <p:cNvSpPr txBox="1"/>
-          <p:nvPr/>
-        </p:nvSpPr>
-        <p:spPr>
-          <a:xfrm>
-            <a:off x="4357686" y="3071810"/>
-            <a:ext cx="4214842" cy="461665"/>
-          </a:xfrm>
-          <a:prstGeom prst="rect">
-            <a:avLst/>
-          </a:prstGeom>
-          <a:noFill/>
-        </p:spPr>
-        <p:txBody>
-          <a:bodyPr wrap="square" rtlCol="0">
-            <a:spAutoFit/>
-          </a:bodyPr>
-          <a:lstStyle/>
-          <a:p>
-            <a:pPr algn="ctr"/>
-            <a:r>
-              <a:rPr lang="en-US" sz="2400" b="1" dirty="0" smtClean="0">
-                <a:latin typeface="Times New Roman" pitchFamily="18" charset="0"/>
-                <a:cs typeface="Times New Roman" pitchFamily="18" charset="0"/>
-              </a:rPr>
-              <a:t>Glorious Jesus - Bridegroom</a:t>
-            </a:r>
-            <a:endParaRPr lang="en-IN" sz="2400" b="1" dirty="0">
-              <a:latin typeface="Times New Roman" pitchFamily="18" charset="0"/>
-              <a:cs typeface="Times New Roman" pitchFamily="18" charset="0"/>
-            </a:endParaRPr>
+            <a:endParaRPr lang="en-IN" sz="2400" dirty="0" smtClean="0"/>
+          </a:p>
+          <a:p>
+            <a:endParaRPr lang="en-IN" sz="2400" dirty="0"/>
+          </a:p>
+          <a:p>
+            <a:endParaRPr lang="en-IN" sz="2400" dirty="0"/>
           </a:p>
         </p:txBody>
       </p:sp>
